--- a/tfgpresentacion.pptx
+++ b/tfgpresentacion.pptx
@@ -5,7 +5,7 @@
     <p:sldMasterId id="2147483648" r:id="rId1"/>
   </p:sldMasterIdLst>
   <p:notesMasterIdLst>
-    <p:notesMasterId r:id="rId25"/>
+    <p:notesMasterId r:id="rId26"/>
   </p:notesMasterIdLst>
   <p:sldIdLst>
     <p:sldId id="256" r:id="rId2"/>
@@ -31,6 +31,7 @@
     <p:sldId id="271" r:id="rId22"/>
     <p:sldId id="278" r:id="rId23"/>
     <p:sldId id="272" r:id="rId24"/>
+    <p:sldId id="280" r:id="rId25"/>
   </p:sldIdLst>
   <p:sldSz cx="12192000" cy="6858000"/>
   <p:notesSz cx="6858000" cy="9144000"/>
@@ -2467,7 +2468,7 @@
   <dgm:whole/>
   <dgm:extLst>
     <a:ext uri="http://schemas.microsoft.com/office/drawing/2008/diagram">
-      <dsp:dataModelExt xmlns:dsp="http://schemas.microsoft.com/office/drawing/2008/diagram" relId="rId6" minVer="http://schemas.openxmlformats.org/drawingml/2006/diagram"/>
+      <dsp:dataModelExt xmlns:dsp="http://schemas.microsoft.com/office/drawing/2008/diagram" relId="rId7" minVer="http://schemas.openxmlformats.org/drawingml/2006/diagram"/>
     </a:ext>
   </dgm:extLst>
 </dgm:dataModel>
@@ -3110,7 +3111,7 @@
   <dgm:whole/>
   <dgm:extLst>
     <a:ext uri="http://schemas.microsoft.com/office/drawing/2008/diagram">
-      <dsp:dataModelExt xmlns:dsp="http://schemas.microsoft.com/office/drawing/2008/diagram" relId="rId11" minVer="http://schemas.openxmlformats.org/drawingml/2006/diagram"/>
+      <dsp:dataModelExt xmlns:dsp="http://schemas.microsoft.com/office/drawing/2008/diagram" relId="rId12" minVer="http://schemas.openxmlformats.org/drawingml/2006/diagram"/>
     </a:ext>
   </dgm:extLst>
 </dgm:dataModel>
@@ -9492,7 +9493,7 @@
           <a:p>
             <a:fld id="{3C752D43-8433-D042-8AB2-2917A640170F}" type="datetimeFigureOut">
               <a:rPr lang="es-ES_tradnl" smtClean="0"/>
-              <a:t>6/9/17</a:t>
+              <a:t>19/9/17</a:t>
             </a:fld>
             <a:endParaRPr lang="es-ES_tradnl"/>
           </a:p>
@@ -9804,7 +9805,7 @@
           <a:bodyPr/>
           <a:lstStyle/>
           <a:p>
-            <a:endParaRPr lang="es-ES_tradnl"/>
+            <a:endParaRPr lang="es-ES_tradnl" dirty="0"/>
           </a:p>
         </p:txBody>
       </p:sp>
@@ -9993,7 +9994,7 @@
           <a:p>
             <a:fld id="{E9906EE2-5745-2742-8B48-822CED94FA4E}" type="slidenum">
               <a:rPr lang="es-ES_tradnl" smtClean="0"/>
-              <a:t>13</a:t>
+              <a:t>3</a:t>
             </a:fld>
             <a:endParaRPr lang="es-ES_tradnl"/>
           </a:p>
@@ -10002,7 +10003,7 @@
     </p:spTree>
     <p:extLst>
       <p:ext uri="{BB962C8B-B14F-4D97-AF65-F5344CB8AC3E}">
-        <p14:creationId xmlns:p14="http://schemas.microsoft.com/office/powerpoint/2010/main" val="1684403815"/>
+        <p14:creationId xmlns:p14="http://schemas.microsoft.com/office/powerpoint/2010/main" val="2023486553"/>
       </p:ext>
     </p:extLst>
   </p:cSld>
@@ -10056,6 +10057,14 @@
           <a:bodyPr/>
           <a:lstStyle/>
           <a:p>
+            <a:r>
+              <a:rPr lang="es-ES_tradnl" dirty="0" err="1" smtClean="0"/>
+              <a:t>Aqu</a:t>
+            </a:r>
+            <a:r>
+              <a:rPr lang="es-ES" dirty="0" smtClean="0"/>
+              <a:t>í redes neuronales</a:t>
+            </a:r>
             <a:endParaRPr lang="es-ES_tradnl" dirty="0"/>
           </a:p>
         </p:txBody>
@@ -10077,6 +10086,388 @@
           <a:p>
             <a:fld id="{E9906EE2-5745-2742-8B48-822CED94FA4E}" type="slidenum">
               <a:rPr lang="es-ES_tradnl" smtClean="0"/>
+              <a:t>7</a:t>
+            </a:fld>
+            <a:endParaRPr lang="es-ES_tradnl"/>
+          </a:p>
+        </p:txBody>
+      </p:sp>
+    </p:spTree>
+    <p:extLst>
+      <p:ext uri="{BB962C8B-B14F-4D97-AF65-F5344CB8AC3E}">
+        <p14:creationId xmlns:p14="http://schemas.microsoft.com/office/powerpoint/2010/main" val="880828067"/>
+      </p:ext>
+    </p:extLst>
+  </p:cSld>
+  <p:clrMapOvr>
+    <a:masterClrMapping/>
+  </p:clrMapOvr>
+</p:notes>
+</file>
+
+<file path=ppt/notesSlides/notesSlide5.xml><?xml version="1.0" encoding="utf-8"?>
+<p:notes xmlns:a="http://schemas.openxmlformats.org/drawingml/2006/main" xmlns:r="http://schemas.openxmlformats.org/officeDocument/2006/relationships" xmlns:p="http://schemas.openxmlformats.org/presentationml/2006/main">
+  <p:cSld>
+    <p:spTree>
+      <p:nvGrpSpPr>
+        <p:cNvPr id="1" name=""/>
+        <p:cNvGrpSpPr/>
+        <p:nvPr/>
+      </p:nvGrpSpPr>
+      <p:grpSpPr>
+        <a:xfrm>
+          <a:off x="0" y="0"/>
+          <a:ext cx="0" cy="0"/>
+          <a:chOff x="0" y="0"/>
+          <a:chExt cx="0" cy="0"/>
+        </a:xfrm>
+      </p:grpSpPr>
+      <p:sp>
+        <p:nvSpPr>
+          <p:cNvPr id="2" name="Marcador de imagen de diapositiva 1"/>
+          <p:cNvSpPr>
+            <a:spLocks noGrp="1" noRot="1" noChangeAspect="1"/>
+          </p:cNvSpPr>
+          <p:nvPr>
+            <p:ph type="sldImg"/>
+          </p:nvPr>
+        </p:nvSpPr>
+        <p:spPr/>
+      </p:sp>
+      <p:sp>
+        <p:nvSpPr>
+          <p:cNvPr id="3" name="Marcador de notas 2"/>
+          <p:cNvSpPr>
+            <a:spLocks noGrp="1"/>
+          </p:cNvSpPr>
+          <p:nvPr>
+            <p:ph type="body" idx="1"/>
+          </p:nvPr>
+        </p:nvSpPr>
+        <p:spPr/>
+        <p:txBody>
+          <a:bodyPr/>
+          <a:lstStyle/>
+          <a:p>
+            <a:pPr marL="0" marR="0" indent="0" algn="l" defTabSz="914400" rtl="0" eaLnBrk="1" fontAlgn="auto" latinLnBrk="0" hangingPunct="1">
+              <a:lnSpc>
+                <a:spcPct val="100000"/>
+              </a:lnSpc>
+              <a:spcBef>
+                <a:spcPts val="0"/>
+              </a:spcBef>
+              <a:spcAft>
+                <a:spcPts val="0"/>
+              </a:spcAft>
+              <a:buClrTx/>
+              <a:buSzTx/>
+              <a:buFontTx/>
+              <a:buNone/>
+              <a:tabLst/>
+              <a:defRPr/>
+            </a:pPr>
+            <a:r>
+              <a:rPr lang="es-ES" dirty="0" smtClean="0"/>
+              <a:t>(decir que se espera que sea más robusto en nuestro caso) (decir sobreajuste en lugar de filtración de información)</a:t>
+            </a:r>
+          </a:p>
+          <a:p>
+            <a:endParaRPr lang="es-ES_tradnl" dirty="0"/>
+          </a:p>
+        </p:txBody>
+      </p:sp>
+      <p:sp>
+        <p:nvSpPr>
+          <p:cNvPr id="4" name="Marcador de número de diapositiva 3"/>
+          <p:cNvSpPr>
+            <a:spLocks noGrp="1"/>
+          </p:cNvSpPr>
+          <p:nvPr>
+            <p:ph type="sldNum" sz="quarter" idx="10"/>
+          </p:nvPr>
+        </p:nvSpPr>
+        <p:spPr/>
+        <p:txBody>
+          <a:bodyPr/>
+          <a:lstStyle/>
+          <a:p>
+            <a:fld id="{E9906EE2-5745-2742-8B48-822CED94FA4E}" type="slidenum">
+              <a:rPr lang="es-ES_tradnl" smtClean="0"/>
+              <a:t>9</a:t>
+            </a:fld>
+            <a:endParaRPr lang="es-ES_tradnl"/>
+          </a:p>
+        </p:txBody>
+      </p:sp>
+    </p:spTree>
+    <p:extLst>
+      <p:ext uri="{BB962C8B-B14F-4D97-AF65-F5344CB8AC3E}">
+        <p14:creationId xmlns:p14="http://schemas.microsoft.com/office/powerpoint/2010/main" val="1321099200"/>
+      </p:ext>
+    </p:extLst>
+  </p:cSld>
+  <p:clrMapOvr>
+    <a:masterClrMapping/>
+  </p:clrMapOvr>
+</p:notes>
+</file>
+
+<file path=ppt/notesSlides/notesSlide6.xml><?xml version="1.0" encoding="utf-8"?>
+<p:notes xmlns:a="http://schemas.openxmlformats.org/drawingml/2006/main" xmlns:r="http://schemas.openxmlformats.org/officeDocument/2006/relationships" xmlns:p="http://schemas.openxmlformats.org/presentationml/2006/main">
+  <p:cSld>
+    <p:spTree>
+      <p:nvGrpSpPr>
+        <p:cNvPr id="1" name=""/>
+        <p:cNvGrpSpPr/>
+        <p:nvPr/>
+      </p:nvGrpSpPr>
+      <p:grpSpPr>
+        <a:xfrm>
+          <a:off x="0" y="0"/>
+          <a:ext cx="0" cy="0"/>
+          <a:chOff x="0" y="0"/>
+          <a:chExt cx="0" cy="0"/>
+        </a:xfrm>
+      </p:grpSpPr>
+      <p:sp>
+        <p:nvSpPr>
+          <p:cNvPr id="2" name="Marcador de imagen de diapositiva 1"/>
+          <p:cNvSpPr>
+            <a:spLocks noGrp="1" noRot="1" noChangeAspect="1"/>
+          </p:cNvSpPr>
+          <p:nvPr>
+            <p:ph type="sldImg"/>
+          </p:nvPr>
+        </p:nvSpPr>
+        <p:spPr/>
+      </p:sp>
+      <p:sp>
+        <p:nvSpPr>
+          <p:cNvPr id="3" name="Marcador de notas 2"/>
+          <p:cNvSpPr>
+            <a:spLocks noGrp="1"/>
+          </p:cNvSpPr>
+          <p:nvPr>
+            <p:ph type="body" idx="1"/>
+          </p:nvPr>
+        </p:nvSpPr>
+        <p:spPr/>
+        <p:txBody>
+          <a:bodyPr/>
+          <a:lstStyle/>
+          <a:p>
+            <a:endParaRPr lang="es-ES_tradnl" dirty="0"/>
+          </a:p>
+        </p:txBody>
+      </p:sp>
+      <p:sp>
+        <p:nvSpPr>
+          <p:cNvPr id="4" name="Marcador de número de diapositiva 3"/>
+          <p:cNvSpPr>
+            <a:spLocks noGrp="1"/>
+          </p:cNvSpPr>
+          <p:nvPr>
+            <p:ph type="sldNum" sz="quarter" idx="10"/>
+          </p:nvPr>
+        </p:nvSpPr>
+        <p:spPr/>
+        <p:txBody>
+          <a:bodyPr/>
+          <a:lstStyle/>
+          <a:p>
+            <a:fld id="{E9906EE2-5745-2742-8B48-822CED94FA4E}" type="slidenum">
+              <a:rPr lang="es-ES_tradnl" smtClean="0"/>
+              <a:t>13</a:t>
+            </a:fld>
+            <a:endParaRPr lang="es-ES_tradnl"/>
+          </a:p>
+        </p:txBody>
+      </p:sp>
+    </p:spTree>
+    <p:extLst>
+      <p:ext uri="{BB962C8B-B14F-4D97-AF65-F5344CB8AC3E}">
+        <p14:creationId xmlns:p14="http://schemas.microsoft.com/office/powerpoint/2010/main" val="1684403815"/>
+      </p:ext>
+    </p:extLst>
+  </p:cSld>
+  <p:clrMapOvr>
+    <a:masterClrMapping/>
+  </p:clrMapOvr>
+</p:notes>
+</file>
+
+<file path=ppt/notesSlides/notesSlide7.xml><?xml version="1.0" encoding="utf-8"?>
+<p:notes xmlns:a="http://schemas.openxmlformats.org/drawingml/2006/main" xmlns:r="http://schemas.openxmlformats.org/officeDocument/2006/relationships" xmlns:p="http://schemas.openxmlformats.org/presentationml/2006/main">
+  <p:cSld>
+    <p:spTree>
+      <p:nvGrpSpPr>
+        <p:cNvPr id="1" name=""/>
+        <p:cNvGrpSpPr/>
+        <p:nvPr/>
+      </p:nvGrpSpPr>
+      <p:grpSpPr>
+        <a:xfrm>
+          <a:off x="0" y="0"/>
+          <a:ext cx="0" cy="0"/>
+          <a:chOff x="0" y="0"/>
+          <a:chExt cx="0" cy="0"/>
+        </a:xfrm>
+      </p:grpSpPr>
+      <p:sp>
+        <p:nvSpPr>
+          <p:cNvPr id="2" name="Marcador de imagen de diapositiva 1"/>
+          <p:cNvSpPr>
+            <a:spLocks noGrp="1" noRot="1" noChangeAspect="1"/>
+          </p:cNvSpPr>
+          <p:nvPr>
+            <p:ph type="sldImg"/>
+          </p:nvPr>
+        </p:nvSpPr>
+        <p:spPr/>
+      </p:sp>
+      <p:sp>
+        <p:nvSpPr>
+          <p:cNvPr id="3" name="Marcador de notas 2"/>
+          <p:cNvSpPr>
+            <a:spLocks noGrp="1"/>
+          </p:cNvSpPr>
+          <p:nvPr>
+            <p:ph type="body" idx="1"/>
+          </p:nvPr>
+        </p:nvSpPr>
+        <p:spPr/>
+        <p:txBody>
+          <a:bodyPr/>
+          <a:lstStyle/>
+          <a:p>
+            <a:r>
+              <a:rPr lang="es-ES_tradnl" dirty="0" smtClean="0"/>
+              <a:t>Hablar de las distintas arquitecturas que hemos utilizado.  Diciendo</a:t>
+            </a:r>
+            <a:r>
+              <a:rPr lang="es-ES_tradnl" baseline="0" dirty="0" smtClean="0"/>
+              <a:t> que al inicio se </a:t>
+            </a:r>
+            <a:r>
+              <a:rPr lang="es-ES_tradnl" baseline="0" dirty="0" err="1" smtClean="0"/>
+              <a:t>utikiz</a:t>
+            </a:r>
+            <a:r>
+              <a:rPr lang="es-ES" baseline="0" dirty="0" err="1" smtClean="0"/>
+              <a:t>ó</a:t>
+            </a:r>
+            <a:r>
+              <a:rPr lang="es-ES" baseline="0" dirty="0" smtClean="0"/>
+              <a:t> una base de datos distinta, y que los primeros experimentos no se han añadido para limitar la extensión del trabajo. Dos de ellas del trabajo citado y otra externa.</a:t>
+            </a:r>
+            <a:endParaRPr lang="es-ES_tradnl" dirty="0" smtClean="0"/>
+          </a:p>
+          <a:p>
+            <a:endParaRPr lang="es-ES_tradnl" dirty="0"/>
+          </a:p>
+        </p:txBody>
+      </p:sp>
+      <p:sp>
+        <p:nvSpPr>
+          <p:cNvPr id="4" name="Marcador de número de diapositiva 3"/>
+          <p:cNvSpPr>
+            <a:spLocks noGrp="1"/>
+          </p:cNvSpPr>
+          <p:nvPr>
+            <p:ph type="sldNum" sz="quarter" idx="10"/>
+          </p:nvPr>
+        </p:nvSpPr>
+        <p:spPr/>
+        <p:txBody>
+          <a:bodyPr/>
+          <a:lstStyle/>
+          <a:p>
+            <a:fld id="{E9906EE2-5745-2742-8B48-822CED94FA4E}" type="slidenum">
+              <a:rPr lang="es-ES_tradnl" smtClean="0"/>
+              <a:t>14</a:t>
+            </a:fld>
+            <a:endParaRPr lang="es-ES_tradnl"/>
+          </a:p>
+        </p:txBody>
+      </p:sp>
+    </p:spTree>
+    <p:extLst>
+      <p:ext uri="{BB962C8B-B14F-4D97-AF65-F5344CB8AC3E}">
+        <p14:creationId xmlns:p14="http://schemas.microsoft.com/office/powerpoint/2010/main" val="942847456"/>
+      </p:ext>
+    </p:extLst>
+  </p:cSld>
+  <p:clrMapOvr>
+    <a:masterClrMapping/>
+  </p:clrMapOvr>
+</p:notes>
+</file>
+
+<file path=ppt/notesSlides/notesSlide8.xml><?xml version="1.0" encoding="utf-8"?>
+<p:notes xmlns:a="http://schemas.openxmlformats.org/drawingml/2006/main" xmlns:r="http://schemas.openxmlformats.org/officeDocument/2006/relationships" xmlns:p="http://schemas.openxmlformats.org/presentationml/2006/main">
+  <p:cSld>
+    <p:spTree>
+      <p:nvGrpSpPr>
+        <p:cNvPr id="1" name=""/>
+        <p:cNvGrpSpPr/>
+        <p:nvPr/>
+      </p:nvGrpSpPr>
+      <p:grpSpPr>
+        <a:xfrm>
+          <a:off x="0" y="0"/>
+          <a:ext cx="0" cy="0"/>
+          <a:chOff x="0" y="0"/>
+          <a:chExt cx="0" cy="0"/>
+        </a:xfrm>
+      </p:grpSpPr>
+      <p:sp>
+        <p:nvSpPr>
+          <p:cNvPr id="2" name="Marcador de imagen de diapositiva 1"/>
+          <p:cNvSpPr>
+            <a:spLocks noGrp="1" noRot="1" noChangeAspect="1"/>
+          </p:cNvSpPr>
+          <p:nvPr>
+            <p:ph type="sldImg"/>
+          </p:nvPr>
+        </p:nvSpPr>
+        <p:spPr/>
+      </p:sp>
+      <p:sp>
+        <p:nvSpPr>
+          <p:cNvPr id="3" name="Marcador de notas 2"/>
+          <p:cNvSpPr>
+            <a:spLocks noGrp="1"/>
+          </p:cNvSpPr>
+          <p:nvPr>
+            <p:ph type="body" idx="1"/>
+          </p:nvPr>
+        </p:nvSpPr>
+        <p:spPr/>
+        <p:txBody>
+          <a:bodyPr/>
+          <a:lstStyle/>
+          <a:p>
+            <a:endParaRPr lang="es-ES_tradnl" dirty="0"/>
+          </a:p>
+        </p:txBody>
+      </p:sp>
+      <p:sp>
+        <p:nvSpPr>
+          <p:cNvPr id="4" name="Marcador de número de diapositiva 3"/>
+          <p:cNvSpPr>
+            <a:spLocks noGrp="1"/>
+          </p:cNvSpPr>
+          <p:nvPr>
+            <p:ph type="sldNum" sz="quarter" idx="10"/>
+          </p:nvPr>
+        </p:nvSpPr>
+        <p:spPr/>
+        <p:txBody>
+          <a:bodyPr/>
+          <a:lstStyle/>
+          <a:p>
+            <a:fld id="{E9906EE2-5745-2742-8B48-822CED94FA4E}" type="slidenum">
+              <a:rPr lang="es-ES_tradnl" smtClean="0"/>
               <a:t>17</a:t>
             </a:fld>
             <a:endParaRPr lang="es-ES_tradnl"/>
@@ -10087,6 +10478,116 @@
     <p:extLst>
       <p:ext uri="{BB962C8B-B14F-4D97-AF65-F5344CB8AC3E}">
         <p14:creationId xmlns:p14="http://schemas.microsoft.com/office/powerpoint/2010/main" val="666341932"/>
+      </p:ext>
+    </p:extLst>
+  </p:cSld>
+  <p:clrMapOvr>
+    <a:masterClrMapping/>
+  </p:clrMapOvr>
+</p:notes>
+</file>
+
+<file path=ppt/notesSlides/notesSlide9.xml><?xml version="1.0" encoding="utf-8"?>
+<p:notes xmlns:a="http://schemas.openxmlformats.org/drawingml/2006/main" xmlns:r="http://schemas.openxmlformats.org/officeDocument/2006/relationships" xmlns:p="http://schemas.openxmlformats.org/presentationml/2006/main">
+  <p:cSld>
+    <p:spTree>
+      <p:nvGrpSpPr>
+        <p:cNvPr id="1" name=""/>
+        <p:cNvGrpSpPr/>
+        <p:nvPr/>
+      </p:nvGrpSpPr>
+      <p:grpSpPr>
+        <a:xfrm>
+          <a:off x="0" y="0"/>
+          <a:ext cx="0" cy="0"/>
+          <a:chOff x="0" y="0"/>
+          <a:chExt cx="0" cy="0"/>
+        </a:xfrm>
+      </p:grpSpPr>
+      <p:sp>
+        <p:nvSpPr>
+          <p:cNvPr id="2" name="Marcador de imagen de diapositiva 1"/>
+          <p:cNvSpPr>
+            <a:spLocks noGrp="1" noRot="1" noChangeAspect="1"/>
+          </p:cNvSpPr>
+          <p:nvPr>
+            <p:ph type="sldImg"/>
+          </p:nvPr>
+        </p:nvSpPr>
+        <p:spPr/>
+      </p:sp>
+      <p:sp>
+        <p:nvSpPr>
+          <p:cNvPr id="3" name="Marcador de notas 2"/>
+          <p:cNvSpPr>
+            <a:spLocks noGrp="1"/>
+          </p:cNvSpPr>
+          <p:nvPr>
+            <p:ph type="body" idx="1"/>
+          </p:nvPr>
+        </p:nvSpPr>
+        <p:spPr/>
+        <p:txBody>
+          <a:bodyPr/>
+          <a:lstStyle/>
+          <a:p>
+            <a:r>
+              <a:rPr lang="es-ES_tradnl" dirty="0" smtClean="0"/>
+              <a:t>Poner los datos centrados (en todos) QUITAR</a:t>
+            </a:r>
+            <a:r>
+              <a:rPr lang="es-ES_tradnl" baseline="0" dirty="0" smtClean="0"/>
+              <a:t> LOS DECIMALES EN TODOS. Hablar d </a:t>
+            </a:r>
+            <a:r>
+              <a:rPr lang="es-ES_tradnl" baseline="0" dirty="0" err="1" smtClean="0"/>
+              <a:t>eesta</a:t>
+            </a:r>
+            <a:r>
+              <a:rPr lang="es-ES_tradnl" baseline="0" dirty="0" smtClean="0"/>
+              <a:t> parte de forma m</a:t>
+            </a:r>
+            <a:r>
+              <a:rPr lang="es-ES" baseline="0" dirty="0" err="1" smtClean="0"/>
+              <a:t>ás</a:t>
+            </a:r>
+            <a:r>
+              <a:rPr lang="es-ES" baseline="0" dirty="0" smtClean="0"/>
+              <a:t> profana. Hablar de una forma en que los experimentos se entiendan</a:t>
+            </a:r>
+          </a:p>
+          <a:p>
+            <a:endParaRPr lang="es-ES_tradnl" dirty="0"/>
+          </a:p>
+        </p:txBody>
+      </p:sp>
+      <p:sp>
+        <p:nvSpPr>
+          <p:cNvPr id="4" name="Marcador de número de diapositiva 3"/>
+          <p:cNvSpPr>
+            <a:spLocks noGrp="1"/>
+          </p:cNvSpPr>
+          <p:nvPr>
+            <p:ph type="sldNum" sz="quarter" idx="10"/>
+          </p:nvPr>
+        </p:nvSpPr>
+        <p:spPr/>
+        <p:txBody>
+          <a:bodyPr/>
+          <a:lstStyle/>
+          <a:p>
+            <a:fld id="{E9906EE2-5745-2742-8B48-822CED94FA4E}" type="slidenum">
+              <a:rPr lang="es-ES_tradnl" smtClean="0"/>
+              <a:t>19</a:t>
+            </a:fld>
+            <a:endParaRPr lang="es-ES_tradnl"/>
+          </a:p>
+        </p:txBody>
+      </p:sp>
+    </p:spTree>
+    <p:extLst>
+      <p:ext uri="{BB962C8B-B14F-4D97-AF65-F5344CB8AC3E}">
+        <p14:creationId xmlns:p14="http://schemas.microsoft.com/office/powerpoint/2010/main" val="487399419"/>
       </p:ext>
     </p:extLst>
   </p:cSld>
@@ -10322,7 +10823,7 @@
           <a:p>
             <a:fld id="{45BB30D9-069E-2446-A89C-BB3E4E7E87A9}" type="datetime1">
               <a:rPr lang="es-ES" smtClean="0"/>
-              <a:t>6/9/17</a:t>
+              <a:t>19/9/17</a:t>
             </a:fld>
             <a:endParaRPr lang="en-US" dirty="0"/>
           </a:p>
@@ -10529,7 +11030,7 @@
           <a:p>
             <a:fld id="{C09022F0-7B1B-9647-8E33-1D28FF52CDC6}" type="datetime1">
               <a:rPr lang="es-ES" smtClean="0"/>
-              <a:t>6/9/17</a:t>
+              <a:t>19/9/17</a:t>
             </a:fld>
             <a:endParaRPr lang="en-US" dirty="0"/>
           </a:p>
@@ -10784,7 +11285,7 @@
           <a:p>
             <a:fld id="{642FE130-EC72-3640-9E99-7A88FC628C7F}" type="datetime1">
               <a:rPr lang="es-ES" smtClean="0"/>
-              <a:t>6/9/17</a:t>
+              <a:t>19/9/17</a:t>
             </a:fld>
             <a:endParaRPr lang="en-US" dirty="0"/>
           </a:p>
@@ -10957,7 +11458,7 @@
           <a:p>
             <a:fld id="{AA581A31-9CDB-BA40-88C1-95EE56319016}" type="datetime1">
               <a:rPr lang="es-ES" smtClean="0"/>
-              <a:t>6/9/17</a:t>
+              <a:t>19/9/17</a:t>
             </a:fld>
             <a:endParaRPr lang="en-US" dirty="0"/>
           </a:p>
@@ -11299,7 +11800,7 @@
           <a:p>
             <a:fld id="{F6199DC3-9AAC-F847-A83A-BBBD35E5D2BE}" type="datetime1">
               <a:rPr lang="es-ES" smtClean="0"/>
-              <a:t>6/9/17</a:t>
+              <a:t>19/9/17</a:t>
             </a:fld>
             <a:endParaRPr lang="en-US" dirty="0"/>
           </a:p>
@@ -11573,7 +12074,7 @@
           <a:p>
             <a:fld id="{9FDB8072-BBD2-254F-A70A-EBB9AB6E06EA}" type="datetime1">
               <a:rPr lang="es-ES" smtClean="0"/>
-              <a:t>6/9/17</a:t>
+              <a:t>19/9/17</a:t>
             </a:fld>
             <a:endParaRPr lang="en-US" dirty="0"/>
           </a:p>
@@ -11951,7 +12452,7 @@
           <a:p>
             <a:fld id="{4B8EBCB1-E175-6B43-9338-67839DDEE3B6}" type="datetime1">
               <a:rPr lang="es-ES" smtClean="0"/>
-              <a:t>6/9/17</a:t>
+              <a:t>19/9/17</a:t>
             </a:fld>
             <a:endParaRPr lang="en-US" dirty="0"/>
           </a:p>
@@ -12068,7 +12569,7 @@
           <a:p>
             <a:fld id="{E4892808-7D75-DF46-AC48-582A39B22E73}" type="datetime1">
               <a:rPr lang="es-ES" smtClean="0"/>
-              <a:t>6/9/17</a:t>
+              <a:t>19/9/17</a:t>
             </a:fld>
             <a:endParaRPr lang="en-US" dirty="0"/>
           </a:p>
@@ -12238,7 +12739,7 @@
           <a:p>
             <a:fld id="{E797AF7C-0EE6-D74C-B27F-799390C93F7B}" type="datetime1">
               <a:rPr lang="es-ES" smtClean="0"/>
-              <a:t>6/9/17</a:t>
+              <a:t>19/9/17</a:t>
             </a:fld>
             <a:endParaRPr lang="en-US" dirty="0"/>
           </a:p>
@@ -12592,7 +13093,7 @@
           <a:p>
             <a:fld id="{6B85984B-313E-9447-B96F-089A98E29A6F}" type="datetime1">
               <a:rPr lang="es-ES" smtClean="0"/>
-              <a:t>6/9/17</a:t>
+              <a:t>19/9/17</a:t>
             </a:fld>
             <a:endParaRPr lang="en-US" dirty="0"/>
           </a:p>
@@ -12971,7 +13472,7 @@
           <a:p>
             <a:fld id="{5890A785-A0FA-6741-8A39-4D046957499C}" type="datetime1">
               <a:rPr lang="es-ES" smtClean="0"/>
-              <a:t>6/9/17</a:t>
+              <a:t>19/9/17</a:t>
             </a:fld>
             <a:endParaRPr lang="en-US" dirty="0"/>
           </a:p>
@@ -13257,7 +13758,7 @@
           <a:p>
             <a:fld id="{D2698115-22BB-0747-BE30-FE0B465D2BD5}" type="datetime1">
               <a:rPr lang="es-ES" smtClean="0"/>
-              <a:t>6/9/17</a:t>
+              <a:t>19/9/17</a:t>
             </a:fld>
             <a:endParaRPr lang="en-US" dirty="0"/>
           </a:p>
@@ -13819,7 +14320,12 @@
             <p:ph type="subTitle" idx="1"/>
           </p:nvPr>
         </p:nvSpPr>
-        <p:spPr/>
+        <p:spPr>
+          <a:xfrm>
+            <a:off x="1100051" y="4455620"/>
+            <a:ext cx="10058400" cy="1458292"/>
+          </a:xfrm>
+        </p:spPr>
         <p:txBody>
           <a:bodyPr>
             <a:normAutofit fontScale="70000" lnSpcReduction="20000"/>
@@ -13849,7 +14355,17 @@
           <a:p>
             <a:r>
               <a:rPr lang="es-ES" dirty="0"/>
-              <a:t>Grado en Ingeniería Informática</a:t>
+              <a:t>Grado en Ingeniería </a:t>
+            </a:r>
+            <a:r>
+              <a:rPr lang="es-ES" dirty="0" smtClean="0"/>
+              <a:t>Informática</a:t>
+            </a:r>
+          </a:p>
+          <a:p>
+            <a:r>
+              <a:rPr lang="es-ES" dirty="0" smtClean="0"/>
+              <a:t>19 de Septiembre 2017</a:t>
             </a:r>
             <a:endParaRPr lang="es-ES_tradnl" dirty="0"/>
           </a:p>
@@ -13967,44 +14483,52 @@
           </a:p>
           <a:p>
             <a:r>
+              <a:rPr lang="es-ES_tradnl" b="1" dirty="0" err="1" smtClean="0"/>
+              <a:t>Inicitativa</a:t>
+            </a:r>
+            <a:r>
               <a:rPr lang="es-ES_tradnl" b="1" dirty="0" smtClean="0"/>
-              <a:t>ADNI (</a:t>
+              <a:t> de </a:t>
             </a:r>
             <a:r>
               <a:rPr lang="es-ES_tradnl" b="1" dirty="0" err="1" smtClean="0"/>
-              <a:t>Alzheimer’s</a:t>
-            </a:r>
-            <a:r>
-              <a:rPr lang="es-ES_tradnl" b="1" dirty="0" smtClean="0"/>
+              <a:t>Neuroim</a:t>
+            </a:r>
+            <a:r>
+              <a:rPr lang="es-ES" b="1" dirty="0" err="1" smtClean="0"/>
+              <a:t>ágenes</a:t>
+            </a:r>
+            <a:r>
+              <a:rPr lang="es-ES" b="1" dirty="0" smtClean="0"/>
+              <a:t> de la Enfermedad </a:t>
+            </a:r>
+            <a:r>
+              <a:rPr lang="es-ES" b="1" smtClean="0"/>
+              <a:t>de Alzheimer(ADNI</a:t>
+            </a:r>
+            <a:r>
+              <a:rPr lang="es-ES_tradnl" b="1" smtClean="0"/>
+              <a:t>): </a:t>
+            </a:r>
+            <a:r>
+              <a:rPr lang="es-ES_tradnl" dirty="0"/>
+              <a:t>una de las bases de datos más utilizadas </a:t>
+            </a:r>
+            <a:r>
+              <a:rPr lang="es-ES_tradnl" dirty="0" smtClean="0"/>
+              <a:t>en </a:t>
+            </a:r>
+            <a:r>
+              <a:rPr lang="es-ES_tradnl" dirty="0"/>
+              <a:t>el estudio del Alzheimer. </a:t>
+            </a:r>
+            <a:r>
+              <a:rPr lang="es-ES_tradnl" dirty="0" smtClean="0"/>
               <a:t> </a:t>
             </a:r>
             <a:r>
-              <a:rPr lang="es-ES_tradnl" b="1" dirty="0" err="1"/>
-              <a:t>Disease</a:t>
-            </a:r>
-            <a:r>
-              <a:rPr lang="es-ES_tradnl" b="1" dirty="0"/>
-              <a:t> </a:t>
-            </a:r>
-            <a:r>
-              <a:rPr lang="es-ES_tradnl" b="1" dirty="0" err="1"/>
-              <a:t>Neuroimaging</a:t>
-            </a:r>
-            <a:r>
-              <a:rPr lang="es-ES_tradnl" b="1" dirty="0"/>
-              <a:t> </a:t>
-            </a:r>
-            <a:r>
-              <a:rPr lang="es-ES_tradnl" b="1" dirty="0" err="1"/>
-              <a:t>Initiative</a:t>
-            </a:r>
-            <a:r>
-              <a:rPr lang="es-ES_tradnl" b="1" dirty="0"/>
-              <a:t>): </a:t>
-            </a:r>
-            <a:r>
               <a:rPr lang="es-ES_tradnl" dirty="0"/>
-              <a:t>una de las bases de datos más utilizadas y trabajadas para el estudio del Alzheimer. . La base de datos pone a disposición datos clínicos de pacientes tales como: imágenes MRI y PET, informes genéticos, test cognitivos y </a:t>
+              <a:t>La base de datos pone a disposición datos clínicos de pacientes tales como: imágenes MRI y PET, informes genéticos, test cognitivos y </a:t>
             </a:r>
             <a:r>
               <a:rPr lang="es-ES_tradnl" dirty="0" err="1"/>
@@ -14016,7 +14540,15 @@
             </a:r>
             <a:r>
               <a:rPr lang="es-ES_tradnl" dirty="0" smtClean="0"/>
-              <a:t>sangre. Podemos encontrar 4 tipos de pacientes: Normal, Alzheimer, LMCI y EMCI.</a:t>
+              <a:t>sangre. Podemos encontrar 4 tipos de pacientes: Normal, Alzheimer</a:t>
+            </a:r>
+            <a:r>
+              <a:rPr lang="es-ES_tradnl" dirty="0"/>
+              <a:t> </a:t>
+            </a:r>
+            <a:r>
+              <a:rPr lang="es-ES_tradnl" dirty="0" smtClean="0"/>
+              <a:t>y dos estados intermedios (MCI).</a:t>
             </a:r>
           </a:p>
         </p:txBody>
@@ -14242,19 +14774,19 @@
               <a:t> </a:t>
             </a:r>
             <a:r>
-              <a:rPr lang="es-ES_tradnl" b="1" dirty="0" err="1"/>
-              <a:t>Spatially</a:t>
-            </a:r>
-            <a:r>
-              <a:rPr lang="es-ES_tradnl" b="1" dirty="0"/>
-              <a:t> </a:t>
-            </a:r>
-            <a:r>
-              <a:rPr lang="es-ES_tradnl" b="1" dirty="0" err="1"/>
-              <a:t>Normalized</a:t>
-            </a:r>
-            <a:r>
-              <a:rPr lang="es-ES_tradnl" b="1" dirty="0"/>
+              <a:rPr lang="es-ES_tradnl" b="1" dirty="0" err="1" smtClean="0"/>
+              <a:t>Normalizaci</a:t>
+            </a:r>
+            <a:r>
+              <a:rPr lang="es-ES" b="1" dirty="0" err="1" smtClean="0"/>
+              <a:t>ón</a:t>
+            </a:r>
+            <a:r>
+              <a:rPr lang="es-ES" b="1" dirty="0" smtClean="0"/>
+              <a:t> Espacial</a:t>
+            </a:r>
+            <a:r>
+              <a:rPr lang="es-ES_tradnl" b="1" dirty="0" smtClean="0"/>
               <a:t>: </a:t>
             </a:r>
             <a:r>
@@ -14286,12 +14818,8 @@
               <a:t> </a:t>
             </a:r>
             <a:r>
-              <a:rPr lang="es-ES_tradnl" b="1" dirty="0" err="1"/>
-              <a:t>Masked</a:t>
-            </a:r>
-            <a:r>
-              <a:rPr lang="es-ES_tradnl" b="1" dirty="0"/>
-              <a:t>: </a:t>
+              <a:rPr lang="es-ES_tradnl" b="1" dirty="0" smtClean="0"/>
+              <a:t>Enmascarado: </a:t>
             </a:r>
             <a:r>
               <a:rPr lang="es-ES_tradnl" dirty="0"/>
@@ -14308,15 +14836,19 @@
               <a:t> </a:t>
             </a:r>
             <a:r>
-              <a:rPr lang="es-ES_tradnl" b="1" dirty="0"/>
-              <a:t>N3 </a:t>
-            </a:r>
-            <a:r>
-              <a:rPr lang="es-ES_tradnl" b="1" dirty="0" err="1"/>
-              <a:t>Correction</a:t>
-            </a:r>
-            <a:r>
-              <a:rPr lang="es-ES_tradnl" dirty="0"/>
+              <a:rPr lang="es-ES_tradnl" b="1" dirty="0" err="1" smtClean="0"/>
+              <a:t>Correci</a:t>
+            </a:r>
+            <a:r>
+              <a:rPr lang="es-ES" b="1" dirty="0" err="1" smtClean="0"/>
+              <a:t>ón</a:t>
+            </a:r>
+            <a:r>
+              <a:rPr lang="es-ES" b="1" dirty="0" smtClean="0"/>
+              <a:t> N3</a:t>
+            </a:r>
+            <a:r>
+              <a:rPr lang="es-ES_tradnl" dirty="0" smtClean="0"/>
               <a:t>: </a:t>
             </a:r>
             <a:r>
@@ -14415,7 +14947,9 @@
           </a:xfrm>
         </p:spPr>
         <p:txBody>
-          <a:bodyPr/>
+          <a:bodyPr>
+            <a:normAutofit lnSpcReduction="10000"/>
+          </a:bodyPr>
           <a:lstStyle/>
           <a:p>
             <a:r>
@@ -14600,11 +15134,7 @@
             </a:r>
             <a:r>
               <a:rPr lang="es-ES" dirty="0" smtClean="0"/>
-              <a:t> </a:t>
-            </a:r>
-            <a:r>
-              <a:rPr lang="es-ES" dirty="0" smtClean="0"/>
-              <a:t>Librería para los algoritmos de Deep </a:t>
+              <a:t> Librería para los algoritmos de Deep </a:t>
             </a:r>
             <a:r>
               <a:rPr lang="es-ES" dirty="0" err="1" smtClean="0"/>
@@ -14650,11 +15180,7 @@
             </a:r>
             <a:r>
               <a:rPr lang="es-ES" dirty="0" smtClean="0"/>
-              <a:t>Librería para el tratamiento de las imágenes en formato NIFTI</a:t>
-            </a:r>
-            <a:r>
-              <a:rPr lang="es-ES" dirty="0" smtClean="0"/>
-              <a:t>.</a:t>
+              <a:t>Librería para el tratamiento de las imágenes en formato NIFTI.</a:t>
             </a:r>
           </a:p>
           <a:p>
@@ -14663,11 +15189,7 @@
             </a:pPr>
             <a:r>
               <a:rPr lang="es-ES" b="1" dirty="0" smtClean="0"/>
-              <a:t>Par</a:t>
-            </a:r>
-            <a:r>
-              <a:rPr lang="es-ES" b="1" dirty="0" smtClean="0"/>
-              <a:t>ámetros comunes a todos los experimentos</a:t>
+              <a:t>Parámetros comunes a todos los experimentos</a:t>
             </a:r>
           </a:p>
           <a:p>
@@ -14675,70 +15197,58 @@
               <a:buNone/>
             </a:pPr>
             <a:r>
+              <a:rPr lang="es-ES" b="1" i="1" dirty="0" smtClean="0"/>
+              <a:t>Función de pérdida: </a:t>
+            </a:r>
+            <a:r>
+              <a:rPr lang="es-ES" dirty="0" err="1" smtClean="0"/>
+              <a:t>Categorical</a:t>
+            </a:r>
+            <a:r>
+              <a:rPr lang="es-ES" dirty="0" smtClean="0"/>
+              <a:t> </a:t>
+            </a:r>
+            <a:r>
+              <a:rPr lang="es-ES" dirty="0" err="1" smtClean="0"/>
+              <a:t>cross-entropy</a:t>
+            </a:r>
+            <a:r>
+              <a:rPr lang="es-ES" dirty="0" smtClean="0"/>
+              <a:t>, </a:t>
+            </a:r>
+            <a:r>
+              <a:rPr lang="es-ES" b="1" i="1" dirty="0" smtClean="0"/>
+              <a:t>Nº iteraciones: </a:t>
+            </a:r>
+            <a:r>
+              <a:rPr lang="es-ES" dirty="0" smtClean="0"/>
+              <a:t>70, </a:t>
+            </a:r>
+            <a:r>
+              <a:rPr lang="es-ES" b="1" i="1" dirty="0" smtClean="0"/>
+              <a:t>Tamaño de lote: </a:t>
+            </a:r>
+            <a:r>
+              <a:rPr lang="es-ES" dirty="0" smtClean="0"/>
+              <a:t>10, </a:t>
+            </a:r>
+          </a:p>
+          <a:p>
+            <a:pPr marL="0" indent="0">
+              <a:buNone/>
+            </a:pPr>
+            <a:r>
               <a:rPr lang="es-ES" b="1" i="1" dirty="0" err="1" smtClean="0"/>
-              <a:t>Loss</a:t>
+              <a:t>Learning-rate</a:t>
             </a:r>
             <a:r>
               <a:rPr lang="es-ES" b="1" i="1" dirty="0" smtClean="0"/>
               <a:t>: </a:t>
             </a:r>
             <a:r>
-              <a:rPr lang="es-ES" dirty="0" err="1" smtClean="0"/>
-              <a:t>Categorical</a:t>
-            </a:r>
-            <a:r>
               <a:rPr lang="es-ES" dirty="0" smtClean="0"/>
-              <a:t> </a:t>
-            </a:r>
-            <a:r>
-              <a:rPr lang="es-ES" dirty="0" err="1" smtClean="0"/>
-              <a:t>cross-entropy</a:t>
-            </a:r>
-            <a:r>
-              <a:rPr lang="es-ES" dirty="0" smtClean="0"/>
-              <a:t>, </a:t>
-            </a:r>
-            <a:r>
-              <a:rPr lang="es-ES" b="1" i="1" dirty="0" err="1" smtClean="0"/>
-              <a:t>Nºepochs</a:t>
-            </a:r>
-            <a:r>
-              <a:rPr lang="es-ES" b="1" i="1" dirty="0" smtClean="0"/>
-              <a:t>: </a:t>
-            </a:r>
-            <a:r>
-              <a:rPr lang="es-ES" dirty="0" smtClean="0"/>
-              <a:t>70, </a:t>
-            </a:r>
-            <a:r>
-              <a:rPr lang="es-ES" b="1" i="1" dirty="0" err="1" smtClean="0"/>
-              <a:t>Batch_size</a:t>
-            </a:r>
-            <a:r>
-              <a:rPr lang="es-ES" b="1" i="1" dirty="0" smtClean="0"/>
-              <a:t>: </a:t>
-            </a:r>
-            <a:r>
-              <a:rPr lang="es-ES" dirty="0" smtClean="0"/>
-              <a:t>10, </a:t>
-            </a:r>
-            <a:r>
-              <a:rPr lang="es-ES" b="1" i="1" dirty="0" err="1" smtClean="0"/>
-              <a:t>Learning-rate</a:t>
-            </a:r>
-            <a:r>
-              <a:rPr lang="es-ES" b="1" i="1" dirty="0" smtClean="0"/>
-              <a:t>: </a:t>
-            </a:r>
-            <a:r>
-              <a:rPr lang="es-ES" dirty="0" smtClean="0"/>
-              <a:t>27*10</a:t>
-            </a:r>
-            <a:r>
-              <a:rPr lang="es-ES" dirty="0" smtClean="0"/>
-              <a:t>^-6</a:t>
-            </a:r>
-            <a:endParaRPr lang="es-ES" dirty="0" smtClean="0"/>
+              <a:t>27*10^-6</a:t>
+            </a:r>
           </a:p>
         </p:txBody>
       </p:sp>
@@ -15313,7 +15823,7 @@
         </p:xfrm>
         <a:graphic>
           <a:graphicData uri="http://schemas.openxmlformats.org/drawingml/2006/diagram">
-            <dgm:relIds xmlns:dgm="http://schemas.openxmlformats.org/drawingml/2006/diagram" xmlns:r="http://schemas.openxmlformats.org/officeDocument/2006/relationships" r:dm="rId2" r:lo="rId3" r:qs="rId4" r:cs="rId5"/>
+            <dgm:relIds xmlns:dgm="http://schemas.openxmlformats.org/drawingml/2006/diagram" xmlns:r="http://schemas.openxmlformats.org/officeDocument/2006/relationships" r:dm="rId3" r:lo="rId4" r:qs="rId5" r:cs="rId6"/>
           </a:graphicData>
         </a:graphic>
       </p:graphicFrame>
@@ -15335,7 +15845,7 @@
         </p:xfrm>
         <a:graphic>
           <a:graphicData uri="http://schemas.openxmlformats.org/drawingml/2006/diagram">
-            <dgm:relIds xmlns:dgm="http://schemas.openxmlformats.org/drawingml/2006/diagram" xmlns:r="http://schemas.openxmlformats.org/officeDocument/2006/relationships" r:dm="rId7" r:lo="rId8" r:qs="rId9" r:cs="rId10"/>
+            <dgm:relIds xmlns:dgm="http://schemas.openxmlformats.org/drawingml/2006/diagram" xmlns:r="http://schemas.openxmlformats.org/officeDocument/2006/relationships" r:dm="rId8" r:lo="rId9" r:qs="rId10" r:cs="rId11"/>
           </a:graphicData>
         </a:graphic>
       </p:graphicFrame>
@@ -15486,20 +15996,24 @@
               <a:t>Primeros experimentos: </a:t>
             </a:r>
             <a:r>
+              <a:rPr lang="es-ES_tradnl" dirty="0" err="1" smtClean="0"/>
+              <a:t>Validaci</a:t>
+            </a:r>
+            <a:r>
+              <a:rPr lang="es-ES" dirty="0" err="1" smtClean="0"/>
+              <a:t>ón</a:t>
+            </a:r>
+            <a:r>
+              <a:rPr lang="es-ES" dirty="0" smtClean="0"/>
+              <a:t> cruzada en 5 partes </a:t>
+            </a:r>
+            <a:r>
               <a:rPr lang="es-ES_tradnl" dirty="0" smtClean="0"/>
-              <a:t>5-Fold </a:t>
+              <a:t>con </a:t>
             </a:r>
             <a:r>
               <a:rPr lang="es-ES_tradnl" dirty="0"/>
-              <a:t>Cross </a:t>
-            </a:r>
-            <a:r>
-              <a:rPr lang="es-ES_tradnl" dirty="0" err="1"/>
-              <a:t>Validation</a:t>
-            </a:r>
-            <a:r>
-              <a:rPr lang="es-ES_tradnl" dirty="0"/>
-              <a:t> con la capa 55 en un conjunto </a:t>
+              <a:t>la capa 55 en un conjunto </a:t>
             </a:r>
             <a:r>
               <a:rPr lang="es-ES_tradnl" dirty="0" smtClean="0"/>
@@ -15543,7 +16057,7 @@
             </a:r>
             <a:r>
               <a:rPr lang="es-ES_tradnl" dirty="0" smtClean="0"/>
-              <a:t>)</a:t>
+              <a:t>).</a:t>
             </a:r>
           </a:p>
           <a:p>
@@ -15568,24 +16082,28 @@
               <a:t> de las mejores capas 2D: </a:t>
             </a:r>
             <a:r>
+              <a:rPr lang="es-ES_tradnl" dirty="0" err="1" smtClean="0"/>
+              <a:t>Validaci</a:t>
+            </a:r>
+            <a:r>
+              <a:rPr lang="es-ES" dirty="0" err="1" smtClean="0"/>
+              <a:t>ón</a:t>
+            </a:r>
+            <a:r>
+              <a:rPr lang="es-ES" dirty="0" smtClean="0"/>
+              <a:t> cruzada en 5 partes </a:t>
+            </a:r>
+            <a:r>
               <a:rPr lang="es-ES_tradnl" dirty="0" smtClean="0"/>
-              <a:t>5-Fold </a:t>
+              <a:t>para </a:t>
             </a:r>
             <a:r>
               <a:rPr lang="es-ES_tradnl" dirty="0"/>
-              <a:t>Cross </a:t>
-            </a:r>
-            <a:r>
-              <a:rPr lang="es-ES_tradnl" dirty="0" err="1"/>
-              <a:t>Validation</a:t>
-            </a:r>
-            <a:r>
-              <a:rPr lang="es-ES_tradnl" dirty="0"/>
-              <a:t> para ver cuál es la mejor </a:t>
+              <a:t>ver cuál es la mejor </a:t>
             </a:r>
             <a:r>
               <a:rPr lang="es-ES_tradnl" dirty="0" smtClean="0"/>
-              <a:t>capa</a:t>
+              <a:t>capa.</a:t>
             </a:r>
           </a:p>
           <a:p>
@@ -15610,26 +16128,21 @@
               <a:t> de resultados en LOO: </a:t>
             </a:r>
             <a:r>
-              <a:rPr lang="es-ES_tradnl" dirty="0" err="1" smtClean="0"/>
-              <a:t>Leaving-one-out</a:t>
+              <a:rPr lang="es-ES" dirty="0" smtClean="0"/>
+              <a:t>Validación cruzada dejando uno fuera </a:t>
             </a:r>
             <a:r>
               <a:rPr lang="es-ES_tradnl" dirty="0" smtClean="0"/>
-              <a:t> </a:t>
+              <a:t>por </a:t>
             </a:r>
             <a:r>
               <a:rPr lang="es-ES_tradnl" dirty="0"/>
-              <a:t>Cross </a:t>
-            </a:r>
-            <a:r>
-              <a:rPr lang="es-ES_tradnl" dirty="0" err="1"/>
-              <a:t>Validation</a:t>
-            </a:r>
-            <a:r>
-              <a:rPr lang="es-ES_tradnl" dirty="0"/>
-              <a:t> por paciente a las mejores capas</a:t>
-            </a:r>
-            <a:endParaRPr lang="es-ES_tradnl" dirty="0" smtClean="0"/>
+              <a:t>paciente a las mejores </a:t>
+            </a:r>
+            <a:r>
+              <a:rPr lang="es-ES_tradnl" dirty="0" smtClean="0"/>
+              <a:t>capas.</a:t>
+            </a:r>
           </a:p>
         </p:txBody>
       </p:sp>
@@ -15712,15 +16225,35 @@
           <a:p>
             <a:r>
               <a:rPr lang="es-ES_tradnl" dirty="0"/>
-              <a:t>Resultados: 5-Fold Cross </a:t>
-            </a:r>
-            <a:r>
-              <a:rPr lang="es-ES_tradnl" dirty="0" err="1"/>
-              <a:t>Validation</a:t>
+              <a:t>Resultados: </a:t>
+            </a:r>
+            <a:r>
+              <a:rPr lang="es-ES_tradnl" dirty="0" err="1" smtClean="0"/>
+              <a:t>Validaci</a:t>
+            </a:r>
+            <a:r>
+              <a:rPr lang="es-ES" dirty="0" err="1" smtClean="0"/>
+              <a:t>ón</a:t>
+            </a:r>
+            <a:r>
+              <a:rPr lang="es-ES" dirty="0" smtClean="0"/>
+              <a:t> cruzada en 5 segmentos </a:t>
+            </a:r>
+            <a:r>
+              <a:rPr lang="es-ES_tradnl" dirty="0" smtClean="0"/>
+              <a:t>con </a:t>
             </a:r>
             <a:r>
               <a:rPr lang="es-ES_tradnl" dirty="0"/>
-              <a:t> con la capa 55 en un conjunto reducido y el conjunto completo</a:t>
+              <a:t>la capa 55 en </a:t>
+            </a:r>
+            <a:r>
+              <a:rPr lang="es-ES_tradnl" dirty="0" smtClean="0"/>
+              <a:t>el </a:t>
+            </a:r>
+            <a:r>
+              <a:rPr lang="es-ES_tradnl" dirty="0"/>
+              <a:t>conjunto reducido y el conjunto completo</a:t>
             </a:r>
           </a:p>
         </p:txBody>
@@ -15735,14 +16268,14 @@
             <p:ph idx="1"/>
             <p:extLst>
               <p:ext uri="{D42A27DB-BD31-4B8C-83A1-F6EECF244321}">
-                <p14:modId xmlns:p14="http://schemas.microsoft.com/office/powerpoint/2010/main" val="19994026"/>
+                <p14:modId xmlns:p14="http://schemas.microsoft.com/office/powerpoint/2010/main" val="931432608"/>
               </p:ext>
             </p:extLst>
           </p:nvPr>
         </p:nvGraphicFramePr>
         <p:xfrm>
           <a:off x="496382" y="2070665"/>
-          <a:ext cx="5601204" cy="4075818"/>
+          <a:ext cx="5601204" cy="4206240"/>
         </p:xfrm>
         <a:graphic>
           <a:graphicData uri="http://schemas.openxmlformats.org/drawingml/2006/table">
@@ -15754,7 +16287,7 @@
                 <a:gridCol w="2800602"/>
                 <a:gridCol w="2800602"/>
               </a:tblGrid>
-              <a:tr h="446079">
+              <a:tr h="352679">
                 <a:tc>
                   <a:txBody>
                     <a:bodyPr/>
@@ -15776,7 +16309,7 @@
                     <a:p>
                       <a:r>
                         <a:rPr lang="es-ES_tradnl" dirty="0" smtClean="0"/>
-                        <a:t>Resultado(%)</a:t>
+                        <a:t>Resultado</a:t>
                       </a:r>
                       <a:endParaRPr lang="es-ES_tradnl" dirty="0"/>
                     </a:p>
@@ -15784,23 +16317,36 @@
                   <a:tcPr/>
                 </a:tc>
               </a:tr>
-              <a:tr h="1099921">
+              <a:tr h="1146208">
                 <a:tc>
                   <a:txBody>
                     <a:bodyPr/>
                     <a:lstStyle/>
                     <a:p>
+                      <a:pPr algn="ctr"/>
                       <a:r>
-                        <a:rPr lang="es-ES_tradnl" dirty="0" smtClean="0"/>
-                        <a:t>5-Fold Cross </a:t>
+                        <a:rPr lang="es-ES_tradnl" dirty="0" err="1" smtClean="0"/>
+                        <a:t>Validaci</a:t>
                       </a:r>
                       <a:r>
-                        <a:rPr lang="es-ES_tradnl" dirty="0" err="1" smtClean="0"/>
-                        <a:t>Validation</a:t>
+                        <a:rPr lang="es-ES" dirty="0" err="1" smtClean="0"/>
+                        <a:t>ón</a:t>
+                      </a:r>
+                      <a:r>
+                        <a:rPr lang="es-ES" dirty="0" smtClean="0"/>
+                        <a:t> cruzada en 5 segmentos </a:t>
                       </a:r>
                       <a:r>
                         <a:rPr lang="es-ES_tradnl" dirty="0" smtClean="0"/>
-                        <a:t> conjunto reducido capa 55</a:t>
+                        <a:t>conjunto reducido (</a:t>
+                      </a:r>
+                      <a:r>
+                        <a:rPr lang="es-ES_tradnl" b="1" dirty="0" smtClean="0"/>
+                        <a:t>una sola imagen por paciente</a:t>
+                      </a:r>
+                      <a:r>
+                        <a:rPr lang="es-ES_tradnl" dirty="0" smtClean="0"/>
+                        <a:t>) capa 55</a:t>
                       </a:r>
                       <a:endParaRPr lang="es-ES_tradnl" dirty="0"/>
                     </a:p>
@@ -15812,9 +16358,14 @@
                     <a:bodyPr/>
                     <a:lstStyle/>
                     <a:p>
+                      <a:pPr algn="ctr"/>
                       <a:r>
                         <a:rPr lang="mr-IN" dirty="0" smtClean="0"/>
-                        <a:t>43'5043</a:t>
+                        <a:t>43’5</a:t>
+                      </a:r>
+                      <a:r>
+                        <a:rPr lang="es-ES" dirty="0" smtClean="0"/>
+                        <a:t>%</a:t>
                       </a:r>
                       <a:endParaRPr lang="es-ES_tradnl" dirty="0"/>
                     </a:p>
@@ -15822,13 +16373,13 @@
                   <a:tcPr/>
                 </a:tc>
               </a:tr>
-              <a:tr h="1099921">
+              <a:tr h="1410718">
                 <a:tc>
                   <a:txBody>
                     <a:bodyPr/>
                     <a:lstStyle/>
                     <a:p>
-                      <a:pPr marL="0" marR="0" indent="0" algn="l" defTabSz="914400" rtl="0" eaLnBrk="1" fontAlgn="auto" latinLnBrk="0" hangingPunct="1">
+                      <a:pPr marL="0" marR="0" indent="0" algn="ctr" defTabSz="914400" rtl="0" eaLnBrk="1" fontAlgn="auto" latinLnBrk="0" hangingPunct="1">
                         <a:lnSpc>
                           <a:spcPct val="100000"/>
                         </a:lnSpc>
@@ -15846,16 +16397,44 @@
                         <a:defRPr/>
                       </a:pPr>
                       <a:r>
-                        <a:rPr lang="es-ES_tradnl" dirty="0" smtClean="0"/>
-                        <a:t>5-Fold Cross </a:t>
+                        <a:rPr lang="es-ES_tradnl" dirty="0" err="1" smtClean="0"/>
+                        <a:t>Validaci</a:t>
                       </a:r>
                       <a:r>
-                        <a:rPr lang="es-ES_tradnl" dirty="0" err="1" smtClean="0"/>
-                        <a:t>Validation</a:t>
+                        <a:rPr lang="es-ES" dirty="0" err="1" smtClean="0"/>
+                        <a:t>ón</a:t>
+                      </a:r>
+                      <a:r>
+                        <a:rPr lang="es-ES" dirty="0" smtClean="0"/>
+                        <a:t> cruzada en 5 segmentos </a:t>
                       </a:r>
                       <a:r>
                         <a:rPr lang="es-ES_tradnl" dirty="0" smtClean="0"/>
-                        <a:t> conjunto completo capa 55</a:t>
+                        <a:t>conjunto completo (</a:t>
+                      </a:r>
+                      <a:r>
+                        <a:rPr lang="es-ES_tradnl" b="1" dirty="0" smtClean="0"/>
+                        <a:t>todas las </a:t>
+                      </a:r>
+                      <a:r>
+                        <a:rPr lang="es-ES_tradnl" b="1" dirty="0" err="1" smtClean="0"/>
+                        <a:t>im</a:t>
+                      </a:r>
+                      <a:r>
+                        <a:rPr lang="es-ES" b="1" dirty="0" err="1" smtClean="0"/>
+                        <a:t>ágenes</a:t>
+                      </a:r>
+                      <a:r>
+                        <a:rPr lang="es-ES" b="1" dirty="0" smtClean="0"/>
+                        <a:t> del paciente</a:t>
+                      </a:r>
+                      <a:r>
+                        <a:rPr lang="es-ES" dirty="0" smtClean="0"/>
+                        <a:t>)</a:t>
+                      </a:r>
+                      <a:r>
+                        <a:rPr lang="es-ES_tradnl" dirty="0" smtClean="0"/>
+                        <a:t> capa 55</a:t>
                       </a:r>
                     </a:p>
                   </a:txBody>
@@ -15866,9 +16445,14 @@
                     <a:bodyPr/>
                     <a:lstStyle/>
                     <a:p>
+                      <a:pPr algn="ctr"/>
                       <a:r>
                         <a:rPr lang="mr-IN" dirty="0" smtClean="0"/>
-                        <a:t>65'9467</a:t>
+                        <a:t>65’9</a:t>
+                      </a:r>
+                      <a:r>
+                        <a:rPr lang="es-ES" dirty="0" smtClean="0"/>
+                        <a:t>%</a:t>
                       </a:r>
                       <a:endParaRPr lang="es-ES_tradnl" dirty="0"/>
                     </a:p>
@@ -15876,23 +16460,28 @@
                   <a:tcPr/>
                 </a:tc>
               </a:tr>
-              <a:tr h="1429897">
+              <a:tr h="1146208">
                 <a:tc>
                   <a:txBody>
                     <a:bodyPr/>
                     <a:lstStyle/>
                     <a:p>
+                      <a:pPr algn="ctr"/>
                       <a:r>
-                        <a:rPr lang="es-ES_tradnl" dirty="0" smtClean="0"/>
-                        <a:t>5-Fold Cross </a:t>
+                        <a:rPr lang="es-ES_tradnl" dirty="0" err="1" smtClean="0"/>
+                        <a:t>Validaci</a:t>
                       </a:r>
                       <a:r>
-                        <a:rPr lang="es-ES_tradnl" dirty="0" err="1" smtClean="0"/>
-                        <a:t>Validation</a:t>
+                        <a:rPr lang="es-ES" dirty="0" err="1" smtClean="0"/>
+                        <a:t>ón</a:t>
+                      </a:r>
+                      <a:r>
+                        <a:rPr lang="es-ES" dirty="0" smtClean="0"/>
+                        <a:t> cruzada en 5 segmentos </a:t>
                       </a:r>
                       <a:r>
                         <a:rPr lang="es-ES_tradnl" dirty="0" smtClean="0"/>
-                        <a:t> conjunto completo capa55</a:t>
+                        <a:t>conjunto completo capa55</a:t>
                       </a:r>
                       <a:r>
                         <a:rPr lang="es-ES_tradnl" baseline="0" dirty="0" smtClean="0"/>
@@ -15908,6 +16497,7 @@
                     <a:bodyPr/>
                     <a:lstStyle/>
                     <a:p>
+                      <a:pPr algn="ctr"/>
                       <a:r>
                         <a:rPr lang="es-ES" dirty="0" smtClean="0"/>
                         <a:t>92%</a:t>
@@ -16029,15 +16619,27 @@
           <a:p>
             <a:r>
               <a:rPr lang="es-ES_tradnl" dirty="0"/>
-              <a:t>Resultados: 5-Fold Cross </a:t>
-            </a:r>
-            <a:r>
-              <a:rPr lang="es-ES_tradnl" dirty="0" err="1"/>
-              <a:t>Validation</a:t>
+              <a:t>Resultados: </a:t>
+            </a:r>
+            <a:r>
+              <a:rPr lang="es-ES_tradnl" dirty="0" err="1" smtClean="0"/>
+              <a:t>Validaci</a:t>
+            </a:r>
+            <a:r>
+              <a:rPr lang="es-ES" dirty="0" err="1" smtClean="0"/>
+              <a:t>ón</a:t>
+            </a:r>
+            <a:r>
+              <a:rPr lang="es-ES" dirty="0" smtClean="0"/>
+              <a:t> cruzada en 5 segmentos </a:t>
+            </a:r>
+            <a:r>
+              <a:rPr lang="es-ES_tradnl" dirty="0" smtClean="0"/>
+              <a:t>para </a:t>
             </a:r>
             <a:r>
               <a:rPr lang="es-ES_tradnl" dirty="0"/>
-              <a:t> para ver cuál es la mejor capa</a:t>
+              <a:t>ver cuál es la mejor capa</a:t>
             </a:r>
           </a:p>
         </p:txBody>
@@ -16103,7 +16705,7 @@
           <p:nvPr>
             <p:extLst>
               <p:ext uri="{D42A27DB-BD31-4B8C-83A1-F6EECF244321}">
-                <p14:modId xmlns:p14="http://schemas.microsoft.com/office/powerpoint/2010/main" val="2082682542"/>
+                <p14:modId xmlns:p14="http://schemas.microsoft.com/office/powerpoint/2010/main" val="1855566702"/>
               </p:ext>
             </p:extLst>
           </p:nvPr>
@@ -16144,7 +16746,7 @@
                     <a:p>
                       <a:r>
                         <a:rPr lang="es-ES_tradnl" dirty="0" smtClean="0"/>
-                        <a:t>Resultado(%)</a:t>
+                        <a:t>Resultado</a:t>
                       </a:r>
                       <a:endParaRPr lang="es-ES_tradnl" dirty="0"/>
                     </a:p>
@@ -16158,6 +16760,7 @@
                     <a:bodyPr/>
                     <a:lstStyle/>
                     <a:p>
+                      <a:pPr algn="ctr"/>
                       <a:r>
                         <a:rPr lang="es-ES_tradnl" dirty="0" smtClean="0"/>
                         <a:t>10</a:t>
@@ -16172,9 +16775,14 @@
                     <a:bodyPr/>
                     <a:lstStyle/>
                     <a:p>
+                      <a:pPr algn="ctr"/>
                       <a:r>
                         <a:rPr lang="mr-IN" dirty="0" smtClean="0"/>
-                        <a:t>56'326</a:t>
+                        <a:t>56'3</a:t>
+                      </a:r>
+                      <a:r>
+                        <a:rPr lang="es-ES" dirty="0" smtClean="0"/>
+                        <a:t>%</a:t>
                       </a:r>
                       <a:endParaRPr lang="es-ES_tradnl" dirty="0"/>
                     </a:p>
@@ -16188,6 +16796,7 @@
                     <a:bodyPr/>
                     <a:lstStyle/>
                     <a:p>
+                      <a:pPr algn="ctr"/>
                       <a:r>
                         <a:rPr lang="es-ES_tradnl" dirty="0" smtClean="0"/>
                         <a:t>15</a:t>
@@ -16202,9 +16811,14 @@
                     <a:bodyPr/>
                     <a:lstStyle/>
                     <a:p>
+                      <a:pPr algn="ctr"/>
                       <a:r>
                         <a:rPr lang="mr-IN" dirty="0" smtClean="0"/>
-                        <a:t>56'5619</a:t>
+                        <a:t>56’</a:t>
+                      </a:r>
+                      <a:r>
+                        <a:rPr lang="es-ES" dirty="0" smtClean="0"/>
+                        <a:t>6%</a:t>
                       </a:r>
                       <a:endParaRPr lang="es-ES_tradnl" dirty="0"/>
                     </a:p>
@@ -16218,6 +16832,7 @@
                     <a:bodyPr/>
                     <a:lstStyle/>
                     <a:p>
+                      <a:pPr algn="ctr"/>
                       <a:r>
                         <a:rPr lang="es-ES_tradnl" dirty="0" smtClean="0"/>
                         <a:t>20</a:t>
@@ -16232,9 +16847,14 @@
                     <a:bodyPr/>
                     <a:lstStyle/>
                     <a:p>
+                      <a:pPr algn="ctr"/>
                       <a:r>
                         <a:rPr lang="mr-IN" dirty="0" smtClean="0"/>
-                        <a:t>52'3479</a:t>
+                        <a:t>52’3</a:t>
+                      </a:r>
+                      <a:r>
+                        <a:rPr lang="es-ES" dirty="0" smtClean="0"/>
+                        <a:t>%</a:t>
                       </a:r>
                       <a:endParaRPr lang="es-ES_tradnl" dirty="0"/>
                     </a:p>
@@ -16248,6 +16868,7 @@
                     <a:bodyPr/>
                     <a:lstStyle/>
                     <a:p>
+                      <a:pPr algn="ctr"/>
                       <a:r>
                         <a:rPr lang="es-ES_tradnl" dirty="0" smtClean="0"/>
                         <a:t>25</a:t>
@@ -16262,9 +16883,14 @@
                     <a:bodyPr/>
                     <a:lstStyle/>
                     <a:p>
+                      <a:pPr algn="ctr"/>
                       <a:r>
                         <a:rPr lang="mr-IN" dirty="0" smtClean="0"/>
-                        <a:t>50'6972</a:t>
+                        <a:t>50’</a:t>
+                      </a:r>
+                      <a:r>
+                        <a:rPr lang="es-ES" dirty="0" smtClean="0"/>
+                        <a:t>7%</a:t>
                       </a:r>
                       <a:endParaRPr lang="es-ES_tradnl" dirty="0"/>
                     </a:p>
@@ -16278,6 +16904,7 @@
                     <a:bodyPr/>
                     <a:lstStyle/>
                     <a:p>
+                      <a:pPr algn="ctr"/>
                       <a:r>
                         <a:rPr lang="es-ES_tradnl" dirty="0" smtClean="0"/>
                         <a:t>30</a:t>
@@ -16292,9 +16919,14 @@
                     <a:bodyPr/>
                     <a:lstStyle/>
                     <a:p>
+                      <a:pPr algn="ctr"/>
                       <a:r>
                         <a:rPr lang="mr-IN" dirty="0" smtClean="0"/>
-                        <a:t>50'6972</a:t>
+                        <a:t>50’</a:t>
+                      </a:r>
+                      <a:r>
+                        <a:rPr lang="es-ES" dirty="0" smtClean="0"/>
+                        <a:t>7%</a:t>
                       </a:r>
                       <a:endParaRPr lang="es-ES_tradnl" dirty="0"/>
                     </a:p>
@@ -16308,6 +16940,7 @@
                     <a:bodyPr/>
                     <a:lstStyle/>
                     <a:p>
+                      <a:pPr algn="ctr"/>
                       <a:r>
                         <a:rPr lang="es-ES_tradnl" dirty="0" smtClean="0"/>
                         <a:t>35</a:t>
@@ -16322,9 +16955,14 @@
                     <a:bodyPr/>
                     <a:lstStyle/>
                     <a:p>
+                      <a:pPr algn="ctr"/>
                       <a:r>
                         <a:rPr lang="mr-IN" dirty="0" smtClean="0"/>
-                        <a:t>55'1948</a:t>
+                        <a:t>55’</a:t>
+                      </a:r>
+                      <a:r>
+                        <a:rPr lang="es-ES" dirty="0" smtClean="0"/>
+                        <a:t>2%</a:t>
                       </a:r>
                       <a:endParaRPr lang="es-ES_tradnl" dirty="0"/>
                     </a:p>
@@ -16338,6 +16976,7 @@
                     <a:bodyPr/>
                     <a:lstStyle/>
                     <a:p>
+                      <a:pPr algn="ctr"/>
                       <a:r>
                         <a:rPr lang="es-ES_tradnl" dirty="0" smtClean="0"/>
                         <a:t>40</a:t>
@@ -16352,13 +16991,22 @@
                     <a:bodyPr/>
                     <a:lstStyle/>
                     <a:p>
+                      <a:pPr algn="ctr"/>
                       <a:r>
                         <a:rPr lang="mr-IN" b="1" dirty="0" smtClean="0">
                           <a:solidFill>
                             <a:srgbClr val="FF0000"/>
                           </a:solidFill>
                         </a:rPr>
-                        <a:t>63'2912</a:t>
+                        <a:t>63’</a:t>
+                      </a:r>
+                      <a:r>
+                        <a:rPr lang="es-ES" b="1" dirty="0" smtClean="0">
+                          <a:solidFill>
+                            <a:srgbClr val="FF0000"/>
+                          </a:solidFill>
+                        </a:rPr>
+                        <a:t>3%</a:t>
                       </a:r>
                       <a:endParaRPr lang="es-ES_tradnl" b="1" dirty="0">
                         <a:solidFill>
@@ -16376,6 +17024,7 @@
                     <a:bodyPr/>
                     <a:lstStyle/>
                     <a:p>
+                      <a:pPr algn="ctr"/>
                       <a:r>
                         <a:rPr lang="es-ES_tradnl" dirty="0" smtClean="0"/>
                         <a:t>45</a:t>
@@ -16390,9 +17039,14 @@
                     <a:bodyPr/>
                     <a:lstStyle/>
                     <a:p>
+                      <a:pPr algn="ctr"/>
                       <a:r>
                         <a:rPr lang="mr-IN" dirty="0" smtClean="0"/>
-                        <a:t>54'3643</a:t>
+                        <a:t>54’</a:t>
+                      </a:r>
+                      <a:r>
+                        <a:rPr lang="es-ES" dirty="0" smtClean="0"/>
+                        <a:t>4%</a:t>
                       </a:r>
                       <a:endParaRPr lang="es-ES_tradnl" dirty="0"/>
                     </a:p>
@@ -16406,6 +17060,7 @@
                     <a:bodyPr/>
                     <a:lstStyle/>
                     <a:p>
+                      <a:pPr algn="ctr"/>
                       <a:r>
                         <a:rPr lang="es-ES_tradnl" dirty="0" smtClean="0"/>
                         <a:t>50</a:t>
@@ -16420,13 +17075,22 @@
                     <a:bodyPr/>
                     <a:lstStyle/>
                     <a:p>
+                      <a:pPr algn="ctr"/>
                       <a:r>
                         <a:rPr lang="mr-IN" b="1" dirty="0" smtClean="0">
                           <a:solidFill>
                             <a:srgbClr val="FF0000"/>
                           </a:solidFill>
                         </a:rPr>
-                        <a:t>64'1046</a:t>
+                        <a:t>64’1</a:t>
+                      </a:r>
+                      <a:r>
+                        <a:rPr lang="es-ES" b="1" dirty="0" smtClean="0">
+                          <a:solidFill>
+                            <a:srgbClr val="FF0000"/>
+                          </a:solidFill>
+                        </a:rPr>
+                        <a:t>%</a:t>
                       </a:r>
                       <a:endParaRPr lang="es-ES_tradnl" b="1" dirty="0">
                         <a:solidFill>
@@ -16444,6 +17108,7 @@
                     <a:bodyPr/>
                     <a:lstStyle/>
                     <a:p>
+                      <a:pPr algn="ctr"/>
                       <a:r>
                         <a:rPr lang="es-ES_tradnl" dirty="0" smtClean="0"/>
                         <a:t>55</a:t>
@@ -16458,13 +17123,22 @@
                     <a:bodyPr/>
                     <a:lstStyle/>
                     <a:p>
+                      <a:pPr algn="ctr"/>
                       <a:r>
                         <a:rPr lang="mr-IN" b="1" dirty="0" smtClean="0">
                           <a:solidFill>
                             <a:srgbClr val="FF0000"/>
                           </a:solidFill>
                         </a:rPr>
-                        <a:t>65'9467</a:t>
+                        <a:t>65’9</a:t>
+                      </a:r>
+                      <a:r>
+                        <a:rPr lang="es-ES" b="1" dirty="0" smtClean="0">
+                          <a:solidFill>
+                            <a:srgbClr val="FF0000"/>
+                          </a:solidFill>
+                        </a:rPr>
+                        <a:t>%</a:t>
                       </a:r>
                       <a:endParaRPr lang="es-ES_tradnl" b="1" dirty="0">
                         <a:solidFill>
@@ -16489,7 +17163,7 @@
           <p:nvPr>
             <p:extLst>
               <p:ext uri="{D42A27DB-BD31-4B8C-83A1-F6EECF244321}">
-                <p14:modId xmlns:p14="http://schemas.microsoft.com/office/powerpoint/2010/main" val="661999416"/>
+                <p14:modId xmlns:p14="http://schemas.microsoft.com/office/powerpoint/2010/main" val="1175632329"/>
               </p:ext>
             </p:extLst>
           </p:nvPr>
@@ -16530,7 +17204,7 @@
                     <a:p>
                       <a:r>
                         <a:rPr lang="es-ES_tradnl" dirty="0" smtClean="0"/>
-                        <a:t>Resultado(%)</a:t>
+                        <a:t>Resultado</a:t>
                       </a:r>
                       <a:endParaRPr lang="es-ES_tradnl" dirty="0"/>
                     </a:p>
@@ -16544,6 +17218,7 @@
                     <a:bodyPr/>
                     <a:lstStyle/>
                     <a:p>
+                      <a:pPr algn="ctr"/>
                       <a:r>
                         <a:rPr lang="es-ES_tradnl" dirty="0" smtClean="0"/>
                         <a:t>60</a:t>
@@ -16558,9 +17233,10 @@
                     <a:bodyPr/>
                     <a:lstStyle/>
                     <a:p>
+                      <a:pPr algn="ctr"/>
                       <a:r>
                         <a:rPr lang="en-US" dirty="0" smtClean="0"/>
-                        <a:t>57'7204</a:t>
+                        <a:t>57’7%</a:t>
                       </a:r>
                       <a:endParaRPr lang="es-ES_tradnl" dirty="0"/>
                     </a:p>
@@ -16574,6 +17250,7 @@
                     <a:bodyPr/>
                     <a:lstStyle/>
                     <a:p>
+                      <a:pPr algn="ctr"/>
                       <a:r>
                         <a:rPr lang="es-ES_tradnl" dirty="0" smtClean="0"/>
                         <a:t>65</a:t>
@@ -16588,9 +17265,14 @@
                     <a:bodyPr/>
                     <a:lstStyle/>
                     <a:p>
+                      <a:pPr algn="ctr"/>
                       <a:r>
                         <a:rPr lang="mr-IN" dirty="0" smtClean="0"/>
-                        <a:t>53'3151</a:t>
+                        <a:t>53’3</a:t>
+                      </a:r>
+                      <a:r>
+                        <a:rPr lang="es-ES" dirty="0" smtClean="0"/>
+                        <a:t>%</a:t>
                       </a:r>
                       <a:endParaRPr lang="es-ES_tradnl" dirty="0"/>
                     </a:p>
@@ -16604,6 +17286,7 @@
                     <a:bodyPr/>
                     <a:lstStyle/>
                     <a:p>
+                      <a:pPr algn="ctr"/>
                       <a:r>
                         <a:rPr lang="es-ES_tradnl" dirty="0" smtClean="0"/>
                         <a:t>70</a:t>
@@ -16618,9 +17301,10 @@
                     <a:bodyPr/>
                     <a:lstStyle/>
                     <a:p>
+                      <a:pPr algn="ctr"/>
                       <a:r>
                         <a:rPr lang="en-US" dirty="0" smtClean="0"/>
-                        <a:t>54'149</a:t>
+                        <a:t>54'1%</a:t>
                       </a:r>
                       <a:endParaRPr lang="es-ES_tradnl" dirty="0"/>
                     </a:p>
@@ -16634,6 +17318,7 @@
                     <a:bodyPr/>
                     <a:lstStyle/>
                     <a:p>
+                      <a:pPr algn="ctr"/>
                       <a:r>
                         <a:rPr lang="es-ES_tradnl" dirty="0" smtClean="0"/>
                         <a:t>75</a:t>
@@ -16648,9 +17333,14 @@
                     <a:bodyPr/>
                     <a:lstStyle/>
                     <a:p>
+                      <a:pPr algn="ctr"/>
                       <a:r>
                         <a:rPr lang="mr-IN" dirty="0" smtClean="0"/>
-                        <a:t>56'7601</a:t>
+                        <a:t>56’7</a:t>
+                      </a:r>
+                      <a:r>
+                        <a:rPr lang="es-ES" dirty="0" smtClean="0"/>
+                        <a:t>%</a:t>
                       </a:r>
                       <a:endParaRPr lang="es-ES_tradnl" dirty="0"/>
                     </a:p>
@@ -16664,6 +17354,7 @@
                     <a:bodyPr/>
                     <a:lstStyle/>
                     <a:p>
+                      <a:pPr algn="ctr"/>
                       <a:r>
                         <a:rPr lang="es-ES_tradnl" dirty="0" smtClean="0"/>
                         <a:t>80</a:t>
@@ -16678,9 +17369,14 @@
                     <a:bodyPr/>
                     <a:lstStyle/>
                     <a:p>
+                      <a:pPr algn="ctr"/>
                       <a:r>
                         <a:rPr lang="ru-RU" dirty="0" smtClean="0"/>
-                        <a:t>36'9139</a:t>
+                        <a:t>36’9</a:t>
+                      </a:r>
+                      <a:r>
+                        <a:rPr lang="es-ES" dirty="0" smtClean="0"/>
+                        <a:t>%</a:t>
                       </a:r>
                       <a:endParaRPr lang="es-ES_tradnl" dirty="0"/>
                     </a:p>
@@ -16694,6 +17390,7 @@
                     <a:bodyPr/>
                     <a:lstStyle/>
                     <a:p>
+                      <a:pPr algn="ctr"/>
                       <a:r>
                         <a:rPr lang="es-ES_tradnl" dirty="0" smtClean="0"/>
                         <a:t>85</a:t>
@@ -16708,9 +17405,14 @@
                     <a:bodyPr/>
                     <a:lstStyle/>
                     <a:p>
+                      <a:pPr algn="ctr"/>
                       <a:r>
                         <a:rPr lang="mr-IN" dirty="0" smtClean="0"/>
-                        <a:t>38'7526</a:t>
+                        <a:t>38’</a:t>
+                      </a:r>
+                      <a:r>
+                        <a:rPr lang="es-ES" dirty="0" smtClean="0"/>
+                        <a:t>8%</a:t>
                       </a:r>
                       <a:endParaRPr lang="es-ES_tradnl" dirty="0"/>
                     </a:p>
@@ -16724,6 +17426,7 @@
                     <a:bodyPr/>
                     <a:lstStyle/>
                     <a:p>
+                      <a:pPr algn="ctr"/>
                       <a:r>
                         <a:rPr lang="es-ES_tradnl" dirty="0" smtClean="0"/>
                         <a:t>90</a:t>
@@ -16738,9 +17441,14 @@
                     <a:bodyPr/>
                     <a:lstStyle/>
                     <a:p>
+                      <a:pPr algn="ctr"/>
                       <a:r>
                         <a:rPr lang="mr-IN" dirty="0" smtClean="0"/>
-                        <a:t>45'7758</a:t>
+                        <a:t>45’</a:t>
+                      </a:r>
+                      <a:r>
+                        <a:rPr lang="es-ES" dirty="0" smtClean="0"/>
+                        <a:t>8%</a:t>
                       </a:r>
                       <a:endParaRPr lang="es-ES_tradnl" dirty="0"/>
                     </a:p>
@@ -16754,6 +17462,7 @@
                     <a:bodyPr/>
                     <a:lstStyle/>
                     <a:p>
+                      <a:pPr algn="ctr"/>
                       <a:r>
                         <a:rPr lang="es-ES_tradnl" dirty="0" smtClean="0"/>
                         <a:t>95</a:t>
@@ -16768,9 +17477,10 @@
                     <a:bodyPr/>
                     <a:lstStyle/>
                     <a:p>
+                      <a:pPr algn="ctr"/>
                       <a:r>
                         <a:rPr lang="en-US" dirty="0" smtClean="0"/>
-                        <a:t>59'4532</a:t>
+                        <a:t>59’4%</a:t>
                       </a:r>
                       <a:endParaRPr lang="es-ES_tradnl" dirty="0"/>
                     </a:p>
@@ -16784,6 +17494,7 @@
                     <a:bodyPr/>
                     <a:lstStyle/>
                     <a:p>
+                      <a:pPr algn="ctr"/>
                       <a:r>
                         <a:rPr lang="es-ES_tradnl" dirty="0" smtClean="0"/>
                         <a:t>100</a:t>
@@ -16798,9 +17509,10 @@
                     <a:bodyPr/>
                     <a:lstStyle/>
                     <a:p>
+                      <a:pPr algn="ctr"/>
                       <a:r>
                         <a:rPr lang="en-US" dirty="0" smtClean="0"/>
-                        <a:t>59'4532</a:t>
+                        <a:t>59’4%</a:t>
                       </a:r>
                       <a:endParaRPr lang="es-ES_tradnl" dirty="0"/>
                     </a:p>
@@ -16868,23 +17580,19 @@
           <a:p>
             <a:r>
               <a:rPr lang="es-ES_tradnl" dirty="0" smtClean="0"/>
-              <a:t>Resultados: </a:t>
-            </a:r>
-            <a:r>
-              <a:rPr lang="es-ES_tradnl" dirty="0" err="1"/>
-              <a:t>Leaving-one-out</a:t>
+              <a:t>Resultados: Validación</a:t>
+            </a:r>
+            <a:r>
+              <a:rPr lang="es-ES" dirty="0" smtClean="0"/>
+              <a:t> cruzada dejando uno fuera </a:t>
+            </a:r>
+            <a:r>
+              <a:rPr lang="es-ES_tradnl" dirty="0" smtClean="0"/>
+              <a:t>por </a:t>
             </a:r>
             <a:r>
               <a:rPr lang="es-ES_tradnl" dirty="0"/>
-              <a:t> Cross </a:t>
-            </a:r>
-            <a:r>
-              <a:rPr lang="es-ES_tradnl" dirty="0" err="1"/>
-              <a:t>Validation</a:t>
-            </a:r>
-            <a:r>
-              <a:rPr lang="es-ES_tradnl" dirty="0"/>
-              <a:t> por paciente a las mejores </a:t>
+              <a:t>paciente a las mejores </a:t>
             </a:r>
             <a:r>
               <a:rPr lang="es-ES_tradnl" dirty="0" smtClean="0"/>
@@ -16904,7 +17612,7 @@
             <p:ph idx="1"/>
             <p:extLst>
               <p:ext uri="{D42A27DB-BD31-4B8C-83A1-F6EECF244321}">
-                <p14:modId xmlns:p14="http://schemas.microsoft.com/office/powerpoint/2010/main" val="1182243291"/>
+                <p14:modId xmlns:p14="http://schemas.microsoft.com/office/powerpoint/2010/main" val="1181932016"/>
               </p:ext>
             </p:extLst>
           </p:nvPr>
@@ -16945,7 +17653,7 @@
                     <a:p>
                       <a:r>
                         <a:rPr lang="es-ES_tradnl" dirty="0" smtClean="0"/>
-                        <a:t>Resultado(%)</a:t>
+                        <a:t>Resultado</a:t>
                       </a:r>
                       <a:endParaRPr lang="es-ES_tradnl" dirty="0"/>
                     </a:p>
@@ -16959,6 +17667,7 @@
                     <a:bodyPr/>
                     <a:lstStyle/>
                     <a:p>
+                      <a:pPr algn="ctr"/>
                       <a:r>
                         <a:rPr lang="es-ES_tradnl" dirty="0" smtClean="0"/>
                         <a:t>40</a:t>
@@ -16973,6 +17682,7 @@
                     <a:bodyPr/>
                     <a:lstStyle/>
                     <a:p>
+                      <a:pPr algn="ctr"/>
                       <a:r>
                         <a:rPr lang="is-IS" sz="1800" b="0" i="0" u="none" strike="noStrike" kern="1200" dirty="0" smtClean="0">
                           <a:solidFill>
@@ -16983,7 +17693,7 @@
                           <a:ea typeface="+mn-ea"/>
                           <a:cs typeface="+mn-cs"/>
                         </a:rPr>
-                        <a:t>73’7139</a:t>
+                        <a:t>73’7%</a:t>
                       </a:r>
                       <a:endParaRPr lang="es-ES_tradnl" dirty="0"/>
                     </a:p>
@@ -16997,6 +17707,7 @@
                     <a:bodyPr/>
                     <a:lstStyle/>
                     <a:p>
+                      <a:pPr algn="ctr"/>
                       <a:r>
                         <a:rPr lang="es-ES_tradnl" dirty="0" smtClean="0"/>
                         <a:t>50</a:t>
@@ -17011,7 +17722,7 @@
                     <a:bodyPr/>
                     <a:lstStyle/>
                     <a:p>
-                      <a:pPr rtl="0"/>
+                      <a:pPr algn="ctr" rtl="0"/>
                       <a:r>
                         <a:rPr lang="fi-FI" sz="1800" b="0" i="0" u="none" strike="noStrike" kern="1200" dirty="0" smtClean="0">
                           <a:solidFill>
@@ -17022,7 +17733,7 @@
                           <a:ea typeface="+mn-ea"/>
                           <a:cs typeface="+mn-cs"/>
                         </a:rPr>
-                        <a:t>69’6875</a:t>
+                        <a:t>69’7%</a:t>
                       </a:r>
                       <a:endParaRPr lang="fi-FI" b="0" dirty="0" smtClean="0">
                         <a:effectLst/>
@@ -17048,6 +17759,7 @@
                     <a:bodyPr/>
                     <a:lstStyle/>
                     <a:p>
+                      <a:pPr algn="ctr"/>
                       <a:r>
                         <a:rPr lang="es-ES_tradnl" dirty="0" smtClean="0"/>
                         <a:t>55</a:t>
@@ -17062,18 +17774,7 @@
                     <a:bodyPr/>
                     <a:lstStyle/>
                     <a:p>
-                      <a:r>
-                        <a:rPr lang="uk-UA" sz="1800" b="0" i="0" u="none" strike="noStrike" kern="1200" dirty="0" smtClean="0">
-                          <a:solidFill>
-                            <a:schemeClr val="dk1"/>
-                          </a:solidFill>
-                          <a:effectLst/>
-                          <a:latin typeface="+mn-lt"/>
-                          <a:ea typeface="+mn-ea"/>
-                          <a:cs typeface="+mn-cs"/>
-                        </a:rPr>
-                        <a:t>59</a:t>
-                      </a:r>
+                      <a:pPr algn="ctr"/>
                       <a:r>
                         <a:rPr lang="es-ES" sz="1800" b="0" i="0" u="none" strike="noStrike" kern="1200" dirty="0" smtClean="0">
                           <a:solidFill>
@@ -17084,19 +17785,7 @@
                           <a:ea typeface="+mn-ea"/>
                           <a:cs typeface="+mn-cs"/>
                         </a:rPr>
-                        <a:t>’</a:t>
-                      </a:r>
-                      <a:r>
-                        <a:rPr lang="uk-UA" sz="1800" b="0" i="0" u="none" strike="noStrike" kern="1200" dirty="0" smtClean="0">
-                          <a:solidFill>
-                            <a:schemeClr val="dk1"/>
-                          </a:solidFill>
-                          <a:effectLst/>
-                          <a:latin typeface="+mn-lt"/>
-                          <a:ea typeface="+mn-ea"/>
-                          <a:cs typeface="+mn-cs"/>
-                        </a:rPr>
-                        <a:t>9851</a:t>
+                        <a:t>60%</a:t>
                       </a:r>
                       <a:endParaRPr lang="es-ES_tradnl" dirty="0"/>
                     </a:p>
@@ -17231,14 +17920,14 @@
             <p:ph idx="1"/>
             <p:extLst>
               <p:ext uri="{D42A27DB-BD31-4B8C-83A1-F6EECF244321}">
-                <p14:modId xmlns:p14="http://schemas.microsoft.com/office/powerpoint/2010/main" val="175404789"/>
+                <p14:modId xmlns:p14="http://schemas.microsoft.com/office/powerpoint/2010/main" val="590784259"/>
               </p:ext>
             </p:extLst>
           </p:nvPr>
         </p:nvGraphicFramePr>
         <p:xfrm>
-          <a:off x="1097280" y="2836534"/>
-          <a:ext cx="5018830" cy="2524075"/>
+          <a:off x="1097280" y="2836535"/>
+          <a:ext cx="5018830" cy="1781409"/>
         </p:xfrm>
         <a:graphic>
           <a:graphicData uri="http://schemas.openxmlformats.org/drawingml/2006/table">
@@ -17250,7 +17939,7 @@
                 <a:gridCol w="2509415"/>
                 <a:gridCol w="2509415"/>
               </a:tblGrid>
-              <a:tr h="1027566">
+              <a:tr h="595325">
                 <a:tc>
                   <a:txBody>
                     <a:bodyPr/>
@@ -17290,12 +17979,13 @@
                   <a:tcPr/>
                 </a:tc>
               </a:tr>
-              <a:tr h="1496509">
+              <a:tr h="867009">
                 <a:tc>
                   <a:txBody>
                     <a:bodyPr/>
                     <a:lstStyle/>
                     <a:p>
+                      <a:pPr algn="ctr"/>
                       <a:r>
                         <a:rPr lang="es-ES_tradnl" dirty="0" smtClean="0"/>
                         <a:t>79%</a:t>
@@ -17314,9 +18004,10 @@
                     <a:bodyPr/>
                     <a:lstStyle/>
                     <a:p>
+                      <a:pPr algn="ctr"/>
                       <a:r>
                         <a:rPr lang="mr-IN" dirty="0" smtClean="0"/>
-                        <a:t>73’7139</a:t>
+                        <a:t>73’7</a:t>
                       </a:r>
                       <a:r>
                         <a:rPr lang="es-ES" dirty="0" smtClean="0"/>
@@ -17364,7 +18055,7 @@
           <p:nvPr/>
         </p:nvPicPr>
         <p:blipFill>
-          <a:blip r:embed="rId2">
+          <a:blip r:embed="rId3">
             <a:extLst>
               <a:ext uri="{28A0092B-C50C-407E-A947-70E740481C1C}">
                 <a14:useLocalDpi xmlns:a14="http://schemas.microsoft.com/office/drawing/2010/main" val="0"/>
@@ -17490,8 +18181,16 @@
               <a:buAutoNum type="arabicPeriod"/>
             </a:pPr>
             <a:r>
+              <a:rPr lang="es-ES_tradnl" dirty="0" err="1" smtClean="0"/>
+              <a:t>Metodolog</a:t>
+            </a:r>
+            <a:r>
+              <a:rPr lang="es-ES" dirty="0" err="1" smtClean="0"/>
+              <a:t>ía</a:t>
+            </a:r>
+            <a:r>
               <a:rPr lang="es-ES_tradnl" dirty="0" smtClean="0"/>
-              <a:t>Fundamento del proceso implementado</a:t>
+              <a:t> del proceso implementado</a:t>
             </a:r>
           </a:p>
           <a:p>
@@ -17666,11 +18365,7 @@
             </a:pPr>
             <a:r>
               <a:rPr lang="es-ES_tradnl" dirty="0" smtClean="0"/>
-              <a:t>Se </a:t>
-            </a:r>
-            <a:r>
-              <a:rPr lang="es-ES_tradnl" dirty="0" smtClean="0"/>
-              <a:t>pueden obtener unos buenos resultados realizando una clasificación</a:t>
+              <a:t>Se pueden obtener unos buenos resultados realizando una clasificación</a:t>
             </a:r>
             <a:r>
               <a:rPr lang="es-ES" dirty="0" smtClean="0"/>
@@ -17831,16 +18526,13 @@
             <a:endParaRPr lang="es-ES_tradnl" dirty="0" smtClean="0"/>
           </a:p>
           <a:p>
-            <a:pPr marL="0" indent="0">
-              <a:buNone/>
+            <a:pPr>
+              <a:buFont typeface="Arial" charset="0"/>
+              <a:buChar char="•"/>
             </a:pPr>
             <a:r>
               <a:rPr lang="es-ES_tradnl" dirty="0" smtClean="0"/>
-              <a:t>Actualmente </a:t>
-            </a:r>
-            <a:r>
-              <a:rPr lang="es-ES_tradnl" dirty="0" smtClean="0"/>
-              <a:t>se </a:t>
+              <a:t>Actualmente se </a:t>
             </a:r>
             <a:r>
               <a:rPr lang="es-ES_tradnl" dirty="0" err="1" smtClean="0"/>
@@ -17848,11 +18540,7 @@
             </a:r>
             <a:r>
               <a:rPr lang="es-ES" dirty="0" smtClean="0"/>
-              <a:t>á utilizando el software para el procesamiento de las </a:t>
-            </a:r>
-            <a:r>
-              <a:rPr lang="es-ES" dirty="0" smtClean="0"/>
-              <a:t>imágenes </a:t>
+              <a:t>á utilizando el software para el procesamiento de las imágenes </a:t>
             </a:r>
             <a:r>
               <a:rPr lang="es-ES" i="1" dirty="0" smtClean="0"/>
@@ -17868,15 +18556,7 @@
             </a:r>
             <a:r>
               <a:rPr lang="es-ES" dirty="0" smtClean="0"/>
-              <a:t> </a:t>
-            </a:r>
-            <a:r>
-              <a:rPr lang="es-ES" dirty="0" smtClean="0"/>
-              <a:t>en la base de datos </a:t>
-            </a:r>
-            <a:r>
-              <a:rPr lang="es-ES" dirty="0" smtClean="0"/>
-              <a:t>ADNI1 </a:t>
+              <a:t> en la base de datos ADNI1 </a:t>
             </a:r>
             <a:r>
               <a:rPr lang="es-ES" i="1" dirty="0" smtClean="0"/>
@@ -17884,48 +18564,25 @@
             </a:r>
             <a:r>
               <a:rPr lang="es-ES" dirty="0" smtClean="0"/>
-              <a:t>). </a:t>
-            </a:r>
+              <a:t>). Esto lo que nos permite es tener aún más datos, con lo que podríamos observar si podemos obtener aún mejores resultados en la clasificación de imágenes 2D.</a:t>
+            </a:r>
+          </a:p>
+          <a:p>
+            <a:pPr>
+              <a:buFont typeface="Arial" charset="0"/>
+              <a:buChar char="•"/>
+            </a:pPr>
             <a:r>
               <a:rPr lang="es-ES" dirty="0" smtClean="0"/>
-              <a:t>Esto lo que nos permite es tener aún más datos, con lo que podríamos observar si podemos obtener </a:t>
-            </a:r>
-            <a:r>
-              <a:rPr lang="es-ES" dirty="0" smtClean="0"/>
-              <a:t>a</a:t>
-            </a:r>
-            <a:r>
-              <a:rPr lang="es-ES" dirty="0" smtClean="0"/>
-              <a:t>ún mejores</a:t>
-            </a:r>
-            <a:r>
-              <a:rPr lang="es-ES" dirty="0" smtClean="0"/>
-              <a:t> </a:t>
-            </a:r>
-            <a:r>
-              <a:rPr lang="es-ES" dirty="0" smtClean="0"/>
-              <a:t>resultados en la clasificación de imágenes 2D</a:t>
+              <a:t>También está previsto usar GPU más potentes para poder aprovechar la capacidad de computación de las nuevas librerías dedicadas al Deep </a:t>
+            </a:r>
+            <a:r>
+              <a:rPr lang="es-ES" dirty="0" err="1" smtClean="0"/>
+              <a:t>Learning</a:t>
             </a:r>
             <a:r>
               <a:rPr lang="es-ES" dirty="0" smtClean="0"/>
               <a:t>.</a:t>
-            </a:r>
-          </a:p>
-          <a:p>
-            <a:pPr marL="0" indent="0">
-              <a:buNone/>
-            </a:pPr>
-            <a:r>
-              <a:rPr lang="es-ES_tradnl" dirty="0" err="1" smtClean="0"/>
-              <a:t>Adem</a:t>
-            </a:r>
-            <a:r>
-              <a:rPr lang="es-ES" dirty="0" err="1" smtClean="0"/>
-              <a:t>ás</a:t>
-            </a:r>
-            <a:r>
-              <a:rPr lang="es-ES" dirty="0" smtClean="0"/>
-              <a:t>, se desea comprobar porque hay unas capas del cerebro que funcionan mejor que otras.</a:t>
             </a:r>
             <a:endParaRPr lang="es-ES" dirty="0"/>
           </a:p>
@@ -18203,11 +18860,7 @@
             </a:r>
             <a:r>
               <a:rPr lang="es-ES_tradnl" dirty="0" smtClean="0"/>
-              <a:t>2017</a:t>
-            </a:r>
-            <a:r>
-              <a:rPr lang="es-ES_tradnl" dirty="0" smtClean="0"/>
-              <a:t>.</a:t>
+              <a:t>2017.</a:t>
             </a:r>
           </a:p>
           <a:p>
@@ -18783,6 +19436,112 @@
     <p:extLst>
       <p:ext uri="{BB962C8B-B14F-4D97-AF65-F5344CB8AC3E}">
         <p14:creationId xmlns:p14="http://schemas.microsoft.com/office/powerpoint/2010/main" val="343255550"/>
+      </p:ext>
+    </p:extLst>
+  </p:cSld>
+  <p:clrMapOvr>
+    <a:masterClrMapping/>
+  </p:clrMapOvr>
+  <p:timing>
+    <p:tnLst>
+      <p:par>
+        <p:cTn id="1" dur="indefinite" restart="never" nodeType="tmRoot"/>
+      </p:par>
+    </p:tnLst>
+  </p:timing>
+</p:sld>
+</file>
+
+<file path=ppt/slides/slide24.xml><?xml version="1.0" encoding="utf-8"?>
+<p:sld xmlns:a="http://schemas.openxmlformats.org/drawingml/2006/main" xmlns:r="http://schemas.openxmlformats.org/officeDocument/2006/relationships" xmlns:p="http://schemas.openxmlformats.org/presentationml/2006/main">
+  <p:cSld>
+    <p:spTree>
+      <p:nvGrpSpPr>
+        <p:cNvPr id="1" name=""/>
+        <p:cNvGrpSpPr/>
+        <p:nvPr/>
+      </p:nvGrpSpPr>
+      <p:grpSpPr>
+        <a:xfrm>
+          <a:off x="0" y="0"/>
+          <a:ext cx="0" cy="0"/>
+          <a:chOff x="0" y="0"/>
+          <a:chExt cx="0" cy="0"/>
+        </a:xfrm>
+      </p:grpSpPr>
+      <p:sp>
+        <p:nvSpPr>
+          <p:cNvPr id="4" name="Marcador de pie de página 3"/>
+          <p:cNvSpPr>
+            <a:spLocks noGrp="1"/>
+          </p:cNvSpPr>
+          <p:nvPr>
+            <p:ph type="ftr" sz="quarter" idx="11"/>
+          </p:nvPr>
+        </p:nvSpPr>
+        <p:spPr/>
+        <p:txBody>
+          <a:bodyPr/>
+          <a:lstStyle/>
+          <a:p>
+            <a:r>
+              <a:rPr lang="en-US" smtClean="0"/>
+              <a:t>Deep Learning para diagnóstico a partir de imágenes Biomédicas                                  Francisco Carrillo Pérez</a:t>
+            </a:r>
+            <a:endParaRPr lang="en-US" dirty="0"/>
+          </a:p>
+        </p:txBody>
+      </p:sp>
+      <p:sp>
+        <p:nvSpPr>
+          <p:cNvPr id="5" name="Título 4"/>
+          <p:cNvSpPr>
+            <a:spLocks noGrp="1"/>
+          </p:cNvSpPr>
+          <p:nvPr>
+            <p:ph type="ctrTitle" idx="4294967295"/>
+          </p:nvPr>
+        </p:nvSpPr>
+        <p:spPr>
+          <a:xfrm>
+            <a:off x="166688" y="1234024"/>
+            <a:ext cx="12025312" cy="2660650"/>
+          </a:xfrm>
+        </p:spPr>
+        <p:txBody>
+          <a:bodyPr>
+            <a:normAutofit/>
+          </a:bodyPr>
+          <a:lstStyle/>
+          <a:p>
+            <a:r>
+              <a:rPr lang="es-ES_tradnl" sz="6600" dirty="0" smtClean="0"/>
+              <a:t>   </a:t>
+            </a:r>
+            <a:r>
+              <a:rPr lang="es-ES_tradnl" sz="6600" dirty="0" smtClean="0"/>
+              <a:t>Muchas </a:t>
+            </a:r>
+            <a:r>
+              <a:rPr lang="es-ES_tradnl" sz="6600" dirty="0" smtClean="0"/>
+              <a:t>gracias por su </a:t>
+            </a:r>
+            <a:r>
+              <a:rPr lang="es-ES_tradnl" sz="6600" dirty="0" err="1" smtClean="0"/>
+              <a:t>atenci</a:t>
+            </a:r>
+            <a:r>
+              <a:rPr lang="es-ES" sz="6600" dirty="0" err="1" smtClean="0"/>
+              <a:t>ón</a:t>
+            </a:r>
+            <a:endParaRPr lang="es-ES_tradnl" sz="6600" dirty="0"/>
+          </a:p>
+        </p:txBody>
+      </p:sp>
+    </p:spTree>
+    <p:extLst>
+      <p:ext uri="{BB962C8B-B14F-4D97-AF65-F5344CB8AC3E}">
+        <p14:creationId xmlns:p14="http://schemas.microsoft.com/office/powerpoint/2010/main" val="1894683691"/>
       </p:ext>
     </p:extLst>
   </p:cSld>
@@ -19295,7 +20054,7 @@
             </a:r>
             <a:r>
               <a:rPr lang="es-ES" b="1" dirty="0" smtClean="0"/>
-              <a:t> y tratamiento de las imágenes</a:t>
+              <a:t> y tratamiento de las imágenes.</a:t>
             </a:r>
             <a:endParaRPr lang="es-ES_tradnl" b="1" dirty="0" smtClean="0"/>
           </a:p>
@@ -19329,16 +20088,16 @@
               <a:t>la arquitectura de la </a:t>
             </a:r>
             <a:r>
-              <a:rPr lang="es-ES_tradnl" b="1" dirty="0" err="1"/>
-              <a:t>Convolutional</a:t>
-            </a:r>
-            <a:r>
-              <a:rPr lang="es-ES_tradnl" b="1" dirty="0"/>
-              <a:t> Neural </a:t>
-            </a:r>
-            <a:r>
               <a:rPr lang="es-ES_tradnl" b="1" dirty="0" smtClean="0"/>
-              <a:t>Network</a:t>
+              <a:t>Red Neuronal </a:t>
+            </a:r>
+            <a:r>
+              <a:rPr lang="es-ES_tradnl" b="1" dirty="0" err="1" smtClean="0"/>
+              <a:t>Convolucional</a:t>
+            </a:r>
+            <a:r>
+              <a:rPr lang="es-ES_tradnl" b="1" dirty="0" smtClean="0"/>
+              <a:t>.</a:t>
             </a:r>
           </a:p>
           <a:p>
@@ -19392,7 +20151,7 @@
             </a:r>
             <a:r>
               <a:rPr lang="es-ES_tradnl" b="1" dirty="0" smtClean="0"/>
-              <a:t>validación</a:t>
+              <a:t>validación.</a:t>
             </a:r>
           </a:p>
           <a:p>
@@ -19410,7 +20169,7 @@
             </a:r>
             <a:r>
               <a:rPr lang="es-ES_tradnl" b="1" dirty="0" smtClean="0"/>
-              <a:t>resultados</a:t>
+              <a:t>resultados.</a:t>
             </a:r>
             <a:endParaRPr lang="es-ES_tradnl" b="1" dirty="0"/>
           </a:p>
@@ -19492,8 +20251,16 @@
           <a:lstStyle/>
           <a:p>
             <a:r>
+              <a:rPr lang="es-ES_tradnl" dirty="0" err="1" smtClean="0"/>
+              <a:t>Metodolog</a:t>
+            </a:r>
+            <a:r>
+              <a:rPr lang="es-ES" dirty="0" err="1" smtClean="0"/>
+              <a:t>ía</a:t>
+            </a:r>
+            <a:r>
               <a:rPr lang="es-ES_tradnl" dirty="0" smtClean="0"/>
-              <a:t>Fundamento del proceso implementado</a:t>
+              <a:t> del proceso implementado</a:t>
             </a:r>
             <a:endParaRPr lang="es-ES_tradnl" dirty="0"/>
           </a:p>
@@ -19515,79 +20282,60 @@
           <a:lstStyle/>
           <a:p>
             <a:r>
-              <a:rPr lang="es-ES_tradnl" b="1" dirty="0" err="1" smtClean="0"/>
-              <a:t>Convolutional</a:t>
-            </a:r>
-            <a:r>
               <a:rPr lang="es-ES_tradnl" b="1" dirty="0" smtClean="0"/>
-              <a:t> Neural Networks (</a:t>
-            </a:r>
-            <a:r>
-              <a:rPr lang="es-ES_tradnl" b="1" dirty="0"/>
-              <a:t>CNN): </a:t>
+              <a:t>Redes Neuronales Artificiales (ANN): </a:t>
             </a:r>
             <a:r>
               <a:rPr lang="es-ES_tradnl" dirty="0"/>
-              <a:t>tipo de redes neuronales </a:t>
-            </a:r>
-            <a:r>
-              <a:rPr lang="es-ES_tradnl" dirty="0" err="1"/>
-              <a:t>profundas,es</a:t>
+              <a:t>Las redes neuronales artificiales son un intento de imitar el </a:t>
+            </a:r>
+            <a:r>
+              <a:rPr lang="es-ES_tradnl" dirty="0" smtClean="0"/>
+              <a:t>comportamiento </a:t>
             </a:r>
             <a:r>
               <a:rPr lang="es-ES_tradnl" dirty="0"/>
+              <a:t>de las redes neuronales </a:t>
+            </a:r>
+            <a:r>
+              <a:rPr lang="es-ES_tradnl" dirty="0" err="1" smtClean="0"/>
+              <a:t>biol</a:t>
+            </a:r>
+            <a:r>
+              <a:rPr lang="es-ES" dirty="0" err="1" smtClean="0"/>
+              <a:t>ó</a:t>
+            </a:r>
+            <a:r>
+              <a:rPr lang="es-ES_tradnl" dirty="0" err="1" smtClean="0"/>
+              <a:t>gicas</a:t>
+            </a:r>
+            <a:r>
+              <a:rPr lang="es-ES_tradnl" dirty="0" smtClean="0"/>
               <a:t> </a:t>
             </a:r>
             <a:r>
+              <a:rPr lang="es-ES_tradnl" dirty="0"/>
+              <a:t>en nuestro cerebro a la hora de aprender sobre un </a:t>
+            </a:r>
+            <a:r>
+              <a:rPr lang="es-ES_tradnl" dirty="0" err="1" smtClean="0"/>
+              <a:t>fen</a:t>
+            </a:r>
+            <a:r>
+              <a:rPr lang="es-ES" dirty="0" err="1" smtClean="0"/>
+              <a:t>ó</a:t>
+            </a:r>
+            <a:r>
               <a:rPr lang="es-ES_tradnl" dirty="0" smtClean="0"/>
-              <a:t>decir </a:t>
+              <a:t>meno </a:t>
             </a:r>
             <a:r>
               <a:rPr lang="es-ES_tradnl" dirty="0"/>
-              <a:t>con un número grande de </a:t>
-            </a:r>
-            <a:r>
-              <a:rPr lang="es-ES_tradnl" dirty="0" smtClean="0"/>
-              <a:t>capas, cuya operación</a:t>
-            </a:r>
-            <a:r>
-              <a:rPr lang="es-ES" dirty="0" smtClean="0"/>
-              <a:t> principal es la </a:t>
-            </a:r>
-            <a:r>
-              <a:rPr lang="es-ES" b="1" dirty="0" smtClean="0"/>
-              <a:t>operación de </a:t>
-            </a:r>
-            <a:r>
-              <a:rPr lang="es-ES" b="1" dirty="0" err="1" smtClean="0"/>
-              <a:t>convolución</a:t>
-            </a:r>
-            <a:r>
-              <a:rPr lang="es-ES" b="1" dirty="0" smtClean="0"/>
-              <a:t>, </a:t>
-            </a:r>
-            <a:r>
-              <a:rPr lang="es-ES_tradnl" dirty="0"/>
-              <a:t>c</a:t>
-            </a:r>
-            <a:r>
-              <a:rPr lang="es-ES_tradnl" dirty="0" smtClean="0"/>
-              <a:t>on </a:t>
-            </a:r>
-            <a:r>
-              <a:rPr lang="es-ES_tradnl" dirty="0"/>
-              <a:t>las cuáles se han obtenido resultados más que notables en el campo de Visión por Computador</a:t>
-            </a:r>
-            <a:r>
-              <a:rPr lang="es-ES_tradnl" dirty="0" smtClean="0"/>
-              <a:t>.</a:t>
-            </a:r>
-          </a:p>
-          <a:p>
-            <a:endParaRPr lang="es-ES_tradnl" dirty="0"/>
-          </a:p>
-          <a:p>
-            <a:endParaRPr lang="es-ES_tradnl" dirty="0"/>
+              <a:t>concreto. </a:t>
+            </a:r>
+          </a:p>
+          <a:p>
+            <a:endParaRPr lang="es-ES_tradnl" b="1" dirty="0" smtClean="0"/>
           </a:p>
         </p:txBody>
       </p:sp>
@@ -19600,7 +20348,7 @@
           <p:nvPr/>
         </p:nvPicPr>
         <p:blipFill>
-          <a:blip r:embed="rId2">
+          <a:blip r:embed="rId3">
             <a:extLst>
               <a:ext uri="{28A0092B-C50C-407E-A947-70E740481C1C}">
                 <a14:useLocalDpi xmlns:a14="http://schemas.microsoft.com/office/drawing/2010/main" val="0"/>
@@ -19705,8 +20453,8 @@
         </p:blipFill>
         <p:spPr>
           <a:xfrm>
-            <a:off x="723955" y="1573908"/>
-            <a:ext cx="10747264" cy="3306850"/>
+            <a:off x="1060966" y="3170711"/>
+            <a:ext cx="10073241" cy="3099459"/>
           </a:xfrm>
         </p:spPr>
       </p:pic>
@@ -19730,6 +20478,142 @@
               <a:t>Deep Learning para diagnóstico a partir de imágenes Biomédicas                                  Francisco Carrillo Pérez</a:t>
             </a:r>
             <a:endParaRPr lang="en-US" dirty="0"/>
+          </a:p>
+        </p:txBody>
+      </p:sp>
+      <p:sp>
+        <p:nvSpPr>
+          <p:cNvPr id="3" name="CuadroTexto 2"/>
+          <p:cNvSpPr txBox="1"/>
+          <p:nvPr/>
+        </p:nvSpPr>
+        <p:spPr>
+          <a:xfrm>
+            <a:off x="130628" y="1970382"/>
+            <a:ext cx="11551496" cy="1754326"/>
+          </a:xfrm>
+          <a:prstGeom prst="rect">
+            <a:avLst/>
+          </a:prstGeom>
+          <a:noFill/>
+        </p:spPr>
+        <p:txBody>
+          <a:bodyPr wrap="none" rtlCol="0">
+            <a:spAutoFit/>
+          </a:bodyPr>
+          <a:lstStyle/>
+          <a:p>
+            <a:r>
+              <a:rPr lang="es-ES_tradnl" b="1" dirty="0"/>
+              <a:t>Redes Neuronales </a:t>
+            </a:r>
+            <a:r>
+              <a:rPr lang="es-ES_tradnl" b="1" dirty="0" err="1"/>
+              <a:t>Convolucionales</a:t>
+            </a:r>
+            <a:r>
+              <a:rPr lang="es-ES_tradnl" b="1" dirty="0"/>
+              <a:t> (CNN): </a:t>
+            </a:r>
+            <a:r>
+              <a:rPr lang="es-ES_tradnl" dirty="0"/>
+              <a:t>tipo de redes neuronales </a:t>
+            </a:r>
+            <a:r>
+              <a:rPr lang="es-ES_tradnl" dirty="0" err="1"/>
+              <a:t>profundas,es</a:t>
+            </a:r>
+            <a:r>
+              <a:rPr lang="es-ES_tradnl" dirty="0"/>
+              <a:t> decir con un número grande de capas, </a:t>
+            </a:r>
+            <a:endParaRPr lang="es-ES_tradnl" dirty="0" smtClean="0"/>
+          </a:p>
+          <a:p>
+            <a:r>
+              <a:rPr lang="es-ES_tradnl" dirty="0" smtClean="0"/>
+              <a:t>cuya </a:t>
+            </a:r>
+            <a:r>
+              <a:rPr lang="es-ES_tradnl" dirty="0"/>
+              <a:t>operación</a:t>
+            </a:r>
+            <a:r>
+              <a:rPr lang="es-ES" dirty="0"/>
+              <a:t> principal es la </a:t>
+            </a:r>
+            <a:r>
+              <a:rPr lang="es-ES" b="1" dirty="0"/>
+              <a:t>operación de </a:t>
+            </a:r>
+            <a:r>
+              <a:rPr lang="es-ES" b="1" dirty="0" err="1"/>
+              <a:t>convolución</a:t>
+            </a:r>
+            <a:r>
+              <a:rPr lang="es-ES" b="1" dirty="0"/>
+              <a:t>, </a:t>
+            </a:r>
+            <a:r>
+              <a:rPr lang="es-ES_tradnl" dirty="0"/>
+              <a:t>con las cuáles se han obtenido resultados más que notables en </a:t>
+            </a:r>
+            <a:endParaRPr lang="es-ES_tradnl" dirty="0" smtClean="0"/>
+          </a:p>
+          <a:p>
+            <a:r>
+              <a:rPr lang="es-ES_tradnl" dirty="0" smtClean="0"/>
+              <a:t>el </a:t>
+            </a:r>
+            <a:r>
+              <a:rPr lang="es-ES_tradnl" dirty="0"/>
+              <a:t>campo de Visión por Computador.</a:t>
+            </a:r>
+          </a:p>
+          <a:p>
+            <a:endParaRPr lang="es-ES_tradnl" dirty="0"/>
+          </a:p>
+          <a:p>
+            <a:endParaRPr lang="es-ES_tradnl" dirty="0"/>
+          </a:p>
+          <a:p>
+            <a:endParaRPr lang="es-ES_tradnl" dirty="0"/>
+          </a:p>
+        </p:txBody>
+      </p:sp>
+      <p:sp>
+        <p:nvSpPr>
+          <p:cNvPr id="7" name="Título 1"/>
+          <p:cNvSpPr>
+            <a:spLocks noGrp="1"/>
+          </p:cNvSpPr>
+          <p:nvPr>
+            <p:ph type="title"/>
+          </p:nvPr>
+        </p:nvSpPr>
+        <p:spPr>
+          <a:xfrm>
+            <a:off x="1097280" y="286603"/>
+            <a:ext cx="10058400" cy="1450757"/>
+          </a:xfrm>
+        </p:spPr>
+        <p:txBody>
+          <a:bodyPr/>
+          <a:lstStyle/>
+          <a:p>
+            <a:r>
+              <a:rPr lang="es-ES_tradnl" dirty="0" err="1" smtClean="0"/>
+              <a:t>Metodolog</a:t>
+            </a:r>
+            <a:r>
+              <a:rPr lang="es-ES" dirty="0" err="1" smtClean="0"/>
+              <a:t>ía</a:t>
+            </a:r>
+            <a:r>
+              <a:rPr lang="es-ES" dirty="0" smtClean="0"/>
+              <a:t> del proceso implementado</a:t>
+            </a:r>
+            <a:endParaRPr lang="es-ES_tradnl" dirty="0"/>
           </a:p>
         </p:txBody>
       </p:sp>
@@ -19836,23 +20720,15 @@
             </a:pPr>
             <a:r>
               <a:rPr lang="es-ES" b="1" dirty="0" smtClean="0"/>
-              <a:t> K-</a:t>
-            </a:r>
-            <a:r>
-              <a:rPr lang="es-ES" b="1" dirty="0" err="1" smtClean="0"/>
-              <a:t>Fold</a:t>
+              <a:t> Validación </a:t>
+            </a:r>
+            <a:r>
+              <a:rPr lang="es-ES" b="1" dirty="0"/>
+              <a:t>c</a:t>
             </a:r>
             <a:r>
               <a:rPr lang="es-ES" b="1" dirty="0" smtClean="0"/>
-              <a:t> Cross </a:t>
-            </a:r>
-            <a:r>
-              <a:rPr lang="es-ES" b="1" dirty="0" err="1" smtClean="0"/>
-              <a:t>Validation</a:t>
-            </a:r>
-            <a:r>
-              <a:rPr lang="es-ES" b="1" dirty="0" smtClean="0"/>
-              <a:t>:</a:t>
+              <a:t>ruzada en K segmentos:</a:t>
             </a:r>
           </a:p>
           <a:p>
@@ -19889,52 +20765,24 @@
               <a:t> </a:t>
             </a:r>
             <a:r>
-              <a:rPr lang="es-ES" b="1" dirty="0" err="1" smtClean="0"/>
-              <a:t>Leave-one-out</a:t>
-            </a:r>
-            <a:r>
               <a:rPr lang="es-ES" b="1" dirty="0" smtClean="0"/>
-              <a:t> Cross </a:t>
-            </a:r>
-            <a:r>
-              <a:rPr lang="es-ES" b="1" dirty="0" err="1" smtClean="0"/>
-              <a:t>Validation</a:t>
+              <a:t>Validación cruzada dejando uno fuera</a:t>
+            </a:r>
+            <a:r>
+              <a:rPr lang="es-ES" dirty="0" smtClean="0"/>
+              <a:t>: </a:t>
             </a:r>
             <a:r>
               <a:rPr lang="es-ES" dirty="0"/>
-              <a:t>: tipo de </a:t>
+              <a:t>tipo de </a:t>
             </a:r>
             <a:r>
               <a:rPr lang="es-ES" dirty="0" smtClean="0"/>
-              <a:t>K-</a:t>
-            </a:r>
-            <a:r>
-              <a:rPr lang="es-ES" dirty="0" err="1" smtClean="0"/>
-              <a:t>Fold</a:t>
-            </a:r>
-            <a:r>
-              <a:rPr lang="es-ES" dirty="0" smtClean="0"/>
-              <a:t> </a:t>
+              <a:t>validación cruzada en K segmentos en </a:t>
             </a:r>
             <a:r>
               <a:rPr lang="es-ES" dirty="0"/>
-              <a:t>C</a:t>
-            </a:r>
-            <a:r>
-              <a:rPr lang="es-ES" dirty="0" smtClean="0"/>
-              <a:t>ross </a:t>
-            </a:r>
-            <a:r>
-              <a:rPr lang="es-ES" dirty="0" err="1" smtClean="0"/>
-              <a:t>Validation</a:t>
-            </a:r>
-            <a:r>
-              <a:rPr lang="es-ES" dirty="0" smtClean="0"/>
-              <a:t> </a:t>
-            </a:r>
-            <a:r>
-              <a:rPr lang="es-ES" dirty="0"/>
-              <a:t>en el que K es igual al número de </a:t>
+              <a:t>el que K es igual al número de </a:t>
             </a:r>
             <a:r>
               <a:rPr lang="es-ES" dirty="0" smtClean="0"/>
@@ -19948,12 +20796,6 @@
               <a:rPr lang="es-ES" dirty="0" smtClean="0"/>
               <a:t>. </a:t>
             </a:r>
-          </a:p>
-          <a:p>
-            <a:pPr marL="0" indent="0">
-              <a:buNone/>
-            </a:pPr>
-            <a:endParaRPr lang="es-ES" dirty="0" smtClean="0"/>
           </a:p>
           <a:p>
             <a:pPr marL="0" indent="0">
@@ -20002,7 +20844,7 @@
           <p:nvPr/>
         </p:nvPicPr>
         <p:blipFill>
-          <a:blip r:embed="rId2">
+          <a:blip r:embed="rId3">
             <a:extLst>
               <a:ext uri="{28A0092B-C50C-407E-A947-70E740481C1C}">
                 <a14:useLocalDpi xmlns:a14="http://schemas.microsoft.com/office/drawing/2010/main" val="0"/>
@@ -20015,7 +20857,7 @@
         </p:blipFill>
         <p:spPr>
           <a:xfrm>
-            <a:off x="3980329" y="2094888"/>
+            <a:off x="5072860" y="2154265"/>
             <a:ext cx="6199841" cy="2254488"/>
           </a:xfrm>
           <a:prstGeom prst="rect">
